--- a/Final-Year-Project/Subscription Tracker.pptx
+++ b/Final-Year-Project/Subscription Tracker.pptx
@@ -379,7 +379,7 @@
           <a:p>
             <a:fld id="{58268699-2479-4C0A-8A94-0691180AD901}" type="datetimeFigureOut">
               <a:rPr lang="en-US" smtClean="0"/>
-              <a:t>12/12/2022</a:t>
+              <a:t>12/13/2022</a:t>
             </a:fld>
             <a:endParaRPr lang="en-US"/>
           </a:p>
@@ -556,7 +556,7 @@
           <a:p>
             <a:fld id="{D945F7B4-7442-4021-9F1E-8BC3C363C892}" type="datetimeFigureOut">
               <a:rPr lang="en-US" noProof="0" smtClean="0"/>
-              <a:t>12/12/2022</a:t>
+              <a:t>12/13/2022</a:t>
             </a:fld>
             <a:endParaRPr lang="en-US" noProof="0"/>
           </a:p>
@@ -10263,13 +10263,8 @@
           <a:p>
             <a:r>
               <a:rPr lang="en-US" dirty="0"/>
-              <a:t>Data </a:t>
-            </a:r>
-            <a:r>
-              <a:rPr lang="en-US" dirty="0" err="1"/>
-              <a:t>anylitics</a:t>
-            </a:r>
-            <a:endParaRPr lang="en-US" dirty="0"/>
+              <a:t>Data analytics</a:t>
+            </a:r>
           </a:p>
         </p:txBody>
       </p:sp>
@@ -14192,35 +14187,6 @@
 </file>
 
 <file path=customXml/item1.xml><?xml version="1.0" encoding="utf-8"?>
-<p:properties xmlns:p="http://schemas.microsoft.com/office/2006/metadata/properties" xmlns:xsi="http://www.w3.org/2001/XMLSchema-instance" xmlns:pc="http://schemas.microsoft.com/office/infopath/2007/PartnerControls">
-  <documentManagement>
-    <_ip_UnifiedCompliancePolicyUIAction xmlns="http://schemas.microsoft.com/sharepoint/v3" xsi:nil="true"/>
-    <Image xmlns="71af3243-3dd4-4a8d-8c0d-dd76da1f02a5">
-      <Url xsi:nil="true"/>
-      <Description xsi:nil="true"/>
-    </Image>
-    <Status xmlns="71af3243-3dd4-4a8d-8c0d-dd76da1f02a5">Not started</Status>
-    <Background xmlns="71af3243-3dd4-4a8d-8c0d-dd76da1f02a5">false</Background>
-    <_ip_UnifiedCompliancePolicyProperties xmlns="http://schemas.microsoft.com/sharepoint/v3" xsi:nil="true"/>
-    <ImageTagsTaxHTField xmlns="71af3243-3dd4-4a8d-8c0d-dd76da1f02a5">
-      <Terms xmlns="http://schemas.microsoft.com/office/infopath/2007/PartnerControls"/>
-    </ImageTagsTaxHTField>
-    <TaxCatchAll xmlns="230e9df3-be65-4c73-a93b-d1236ebd677e" xsi:nil="true"/>
-    <MediaServiceKeyPoints xmlns="71af3243-3dd4-4a8d-8c0d-dd76da1f02a5" xsi:nil="true"/>
-  </documentManagement>
-</p:properties>
-</file>
-
-<file path=customXml/item2.xml><?xml version="1.0" encoding="utf-8"?>
-<?mso-contentType ?>
-<FormTemplates xmlns="http://schemas.microsoft.com/sharepoint/v3/contenttype/forms">
-  <Display>DocumentLibraryForm</Display>
-  <Edit>DocumentLibraryForm</Edit>
-  <New>DocumentLibraryForm</New>
-</FormTemplates>
-</file>
-
-<file path=customXml/item3.xml><?xml version="1.0" encoding="utf-8"?>
 <ct:contentTypeSchema xmlns:ct="http://schemas.microsoft.com/office/2006/metadata/contentType" xmlns:ma="http://schemas.microsoft.com/office/2006/metadata/properties/metaAttributes" ct:_="" ma:_="" ma:contentTypeName="Document" ma:contentTypeID="0x01010079F111ED35F8CC479449609E8A0923A6" ma:contentTypeVersion="24" ma:contentTypeDescription="Create a new document." ma:contentTypeScope="" ma:versionID="2d714a3296df14eba7a100bb665443ca">
   <xsd:schema xmlns:xsd="http://www.w3.org/2001/XMLSchema" xmlns:xs="http://www.w3.org/2001/XMLSchema" xmlns:p="http://schemas.microsoft.com/office/2006/metadata/properties" xmlns:ns1="http://schemas.microsoft.com/sharepoint/v3" xmlns:ns2="71af3243-3dd4-4a8d-8c0d-dd76da1f02a5" xmlns:ns3="16c05727-aa75-4e4a-9b5f-8a80a1165891" xmlns:ns4="230e9df3-be65-4c73-a93b-d1236ebd677e" targetNamespace="http://schemas.microsoft.com/office/2006/metadata/properties" ma:root="true" ma:fieldsID="49549bf45bfbbfb6cffed527380e77e1" ns1:_="" ns2:_="" ns3:_="" ns4:_="">
     <xsd:import namespace="http://schemas.microsoft.com/sharepoint/v3"/>
@@ -14508,27 +14474,36 @@
 </ct:contentTypeSchema>
 </file>
 
-<file path=customXml/itemProps1.xml><?xml version="1.0" encoding="utf-8"?>
-<ds:datastoreItem xmlns:ds="http://schemas.openxmlformats.org/officeDocument/2006/customXml" ds:itemID="{92CF51A7-9108-45AF-AF64-7A03A8DEEF80}">
-  <ds:schemaRefs>
-    <ds:schemaRef ds:uri="http://schemas.microsoft.com/office/2006/metadata/properties"/>
-    <ds:schemaRef ds:uri="http://schemas.microsoft.com/office/infopath/2007/PartnerControls"/>
-    <ds:schemaRef ds:uri="http://schemas.microsoft.com/sharepoint/v3"/>
-    <ds:schemaRef ds:uri="71af3243-3dd4-4a8d-8c0d-dd76da1f02a5"/>
-    <ds:schemaRef ds:uri="230e9df3-be65-4c73-a93b-d1236ebd677e"/>
-  </ds:schemaRefs>
-</ds:datastoreItem>
+<file path=customXml/item2.xml><?xml version="1.0" encoding="utf-8"?>
+<?mso-contentType ?>
+<FormTemplates xmlns="http://schemas.microsoft.com/sharepoint/v3/contenttype/forms">
+  <Display>DocumentLibraryForm</Display>
+  <Edit>DocumentLibraryForm</Edit>
+  <New>DocumentLibraryForm</New>
+</FormTemplates>
 </file>
 
-<file path=customXml/itemProps2.xml><?xml version="1.0" encoding="utf-8"?>
-<ds:datastoreItem xmlns:ds="http://schemas.openxmlformats.org/officeDocument/2006/customXml" ds:itemID="{A66A1098-79A7-47E8-8A61-8CB2B72760B2}">
-  <ds:schemaRefs>
-    <ds:schemaRef ds:uri="http://schemas.microsoft.com/sharepoint/v3/contenttype/forms"/>
-  </ds:schemaRefs>
-</ds:datastoreItem>
+<file path=customXml/item3.xml><?xml version="1.0" encoding="utf-8"?>
+<p:properties xmlns:p="http://schemas.microsoft.com/office/2006/metadata/properties" xmlns:xsi="http://www.w3.org/2001/XMLSchema-instance" xmlns:pc="http://schemas.microsoft.com/office/infopath/2007/PartnerControls">
+  <documentManagement>
+    <_ip_UnifiedCompliancePolicyUIAction xmlns="http://schemas.microsoft.com/sharepoint/v3" xsi:nil="true"/>
+    <Image xmlns="71af3243-3dd4-4a8d-8c0d-dd76da1f02a5">
+      <Url xsi:nil="true"/>
+      <Description xsi:nil="true"/>
+    </Image>
+    <Status xmlns="71af3243-3dd4-4a8d-8c0d-dd76da1f02a5">Not started</Status>
+    <Background xmlns="71af3243-3dd4-4a8d-8c0d-dd76da1f02a5">false</Background>
+    <_ip_UnifiedCompliancePolicyProperties xmlns="http://schemas.microsoft.com/sharepoint/v3" xsi:nil="true"/>
+    <ImageTagsTaxHTField xmlns="71af3243-3dd4-4a8d-8c0d-dd76da1f02a5">
+      <Terms xmlns="http://schemas.microsoft.com/office/infopath/2007/PartnerControls"/>
+    </ImageTagsTaxHTField>
+    <TaxCatchAll xmlns="230e9df3-be65-4c73-a93b-d1236ebd677e" xsi:nil="true"/>
+    <MediaServiceKeyPoints xmlns="71af3243-3dd4-4a8d-8c0d-dd76da1f02a5" xsi:nil="true"/>
+  </documentManagement>
+</p:properties>
 </file>
 
-<file path=customXml/itemProps3.xml><?xml version="1.0" encoding="utf-8"?>
+<file path=customXml/itemProps1.xml><?xml version="1.0" encoding="utf-8"?>
 <ds:datastoreItem xmlns:ds="http://schemas.openxmlformats.org/officeDocument/2006/customXml" ds:itemID="{5D5FA367-1CF2-4EC2-949E-D7EB334E593C}">
   <ds:schemaRefs>
     <ds:schemaRef ds:uri="http://schemas.microsoft.com/office/2006/metadata/contentType"/>
@@ -14549,6 +14524,26 @@
 </ds:datastoreItem>
 </file>
 
+<file path=customXml/itemProps2.xml><?xml version="1.0" encoding="utf-8"?>
+<ds:datastoreItem xmlns:ds="http://schemas.openxmlformats.org/officeDocument/2006/customXml" ds:itemID="{A66A1098-79A7-47E8-8A61-8CB2B72760B2}">
+  <ds:schemaRefs>
+    <ds:schemaRef ds:uri="http://schemas.microsoft.com/sharepoint/v3/contenttype/forms"/>
+  </ds:schemaRefs>
+</ds:datastoreItem>
+</file>
+
+<file path=customXml/itemProps3.xml><?xml version="1.0" encoding="utf-8"?>
+<ds:datastoreItem xmlns:ds="http://schemas.openxmlformats.org/officeDocument/2006/customXml" ds:itemID="{92CF51A7-9108-45AF-AF64-7A03A8DEEF80}">
+  <ds:schemaRefs>
+    <ds:schemaRef ds:uri="http://schemas.microsoft.com/office/2006/metadata/properties"/>
+    <ds:schemaRef ds:uri="http://schemas.microsoft.com/office/infopath/2007/PartnerControls"/>
+    <ds:schemaRef ds:uri="http://schemas.microsoft.com/sharepoint/v3"/>
+    <ds:schemaRef ds:uri="71af3243-3dd4-4a8d-8c0d-dd76da1f02a5"/>
+    <ds:schemaRef ds:uri="230e9df3-be65-4c73-a93b-d1236ebd677e"/>
+  </ds:schemaRefs>
+</ds:datastoreItem>
+</file>
+
 <file path=docMetadata/LabelInfo.xml><?xml version="1.0" encoding="utf-8"?>
 <clbl:labelList xmlns:clbl="http://schemas.microsoft.com/office/2020/mipLabelMetadata"/>
 </file>
--- a/Final-Year-Project/Subscription Tracker.pptx
+++ b/Final-Year-Project/Subscription Tracker.pptx
@@ -5,25 +5,27 @@
     <p:sldMasterId id="2147483648" r:id="rId4"/>
   </p:sldMasterIdLst>
   <p:notesMasterIdLst>
-    <p:notesMasterId r:id="rId18"/>
+    <p:notesMasterId r:id="rId20"/>
   </p:notesMasterIdLst>
   <p:handoutMasterIdLst>
-    <p:handoutMasterId r:id="rId19"/>
+    <p:handoutMasterId r:id="rId21"/>
   </p:handoutMasterIdLst>
   <p:sldIdLst>
     <p:sldId id="273" r:id="rId5"/>
     <p:sldId id="275" r:id="rId6"/>
     <p:sldId id="284" r:id="rId7"/>
-    <p:sldId id="285" r:id="rId8"/>
-    <p:sldId id="280" r:id="rId9"/>
-    <p:sldId id="277" r:id="rId10"/>
-    <p:sldId id="286" r:id="rId11"/>
-    <p:sldId id="287" r:id="rId12"/>
+    <p:sldId id="280" r:id="rId8"/>
+    <p:sldId id="277" r:id="rId9"/>
+    <p:sldId id="286" r:id="rId10"/>
+    <p:sldId id="291" r:id="rId11"/>
+    <p:sldId id="285" r:id="rId12"/>
     <p:sldId id="288" r:id="rId13"/>
-    <p:sldId id="289" r:id="rId14"/>
-    <p:sldId id="281" r:id="rId15"/>
-    <p:sldId id="278" r:id="rId16"/>
-    <p:sldId id="274" r:id="rId17"/>
+    <p:sldId id="292" r:id="rId14"/>
+    <p:sldId id="294" r:id="rId15"/>
+    <p:sldId id="293" r:id="rId16"/>
+    <p:sldId id="295" r:id="rId17"/>
+    <p:sldId id="278" r:id="rId18"/>
+    <p:sldId id="274" r:id="rId19"/>
   </p:sldIdLst>
   <p:sldSz cx="12192000" cy="6858000"/>
   <p:notesSz cx="6858000" cy="9144000"/>
@@ -379,7 +381,7 @@
           <a:p>
             <a:fld id="{58268699-2479-4C0A-8A94-0691180AD901}" type="datetimeFigureOut">
               <a:rPr lang="en-US" smtClean="0"/>
-              <a:t>12/13/2022</a:t>
+              <a:t>4/20/2023</a:t>
             </a:fld>
             <a:endParaRPr lang="en-US"/>
           </a:p>
@@ -556,7 +558,7 @@
           <a:p>
             <a:fld id="{D945F7B4-7442-4021-9F1E-8BC3C363C892}" type="datetimeFigureOut">
               <a:rPr lang="en-US" noProof="0" smtClean="0"/>
-              <a:t>12/13/2022</a:t>
+              <a:t>4/20/2023</a:t>
             </a:fld>
             <a:endParaRPr lang="en-US" noProof="0"/>
           </a:p>
@@ -9417,23 +9419,21 @@
             <p:ph type="ctrTitle"/>
           </p:nvPr>
         </p:nvSpPr>
-        <p:spPr/>
+        <p:spPr>
+          <a:xfrm>
+            <a:off x="2267711" y="1408176"/>
+            <a:ext cx="7435581" cy="2387600"/>
+          </a:xfrm>
+        </p:spPr>
         <p:txBody>
           <a:bodyPr>
-            <a:normAutofit fontScale="90000"/>
+            <a:normAutofit/>
           </a:bodyPr>
           <a:lstStyle/>
           <a:p>
             <a:r>
               <a:rPr lang="en-US" dirty="0"/>
               <a:t>Subscription Tracker</a:t>
-            </a:r>
-            <a:br>
-              <a:rPr lang="en-US" dirty="0"/>
-            </a:br>
-            <a:r>
-              <a:rPr lang="en-US" dirty="0"/>
-              <a:t>Interim</a:t>
             </a:r>
           </a:p>
         </p:txBody>
@@ -9502,7 +9502,7 @@
           <p:cNvPr id="2" name="Title 1">
             <a:extLst>
               <a:ext uri="{FF2B5EF4-FFF2-40B4-BE49-F238E27FC236}">
-                <a16:creationId xmlns:a16="http://schemas.microsoft.com/office/drawing/2014/main" id="{D53393CE-9363-72CB-FD40-73A65C0DCC57}"/>
+                <a16:creationId xmlns:a16="http://schemas.microsoft.com/office/drawing/2014/main" id="{DB262C4D-3F97-1652-3A4A-C989986D9B65}"/>
               </a:ext>
             </a:extLst>
           </p:cNvPr>
@@ -9513,15 +9513,24 @@
             <p:ph type="title"/>
           </p:nvPr>
         </p:nvSpPr>
-        <p:spPr/>
+        <p:spPr>
+          <a:xfrm>
+            <a:off x="223628" y="1443421"/>
+            <a:ext cx="4846320" cy="1682749"/>
+          </a:xfrm>
+        </p:spPr>
         <p:txBody>
           <a:bodyPr/>
           <a:lstStyle/>
           <a:p>
             <a:r>
-              <a:rPr lang="en-US" sz="4500" dirty="0"/>
-              <a:t>Project Management</a:t>
-            </a:r>
+              <a:rPr lang="en-IE" sz="4400" b="0" i="0" dirty="0">
+                <a:effectLst/>
+                <a:latin typeface="Arial" panose="020B0604020202020204" pitchFamily="34" charset="0"/>
+              </a:rPr>
+              <a:t>Project Complexity</a:t>
+            </a:r>
+            <a:endParaRPr lang="en-US" sz="4400" dirty="0"/>
           </a:p>
         </p:txBody>
       </p:sp>
@@ -9530,7 +9539,7 @@
           <p:cNvPr id="12" name="Footer Placeholder 11">
             <a:extLst>
               <a:ext uri="{FF2B5EF4-FFF2-40B4-BE49-F238E27FC236}">
-                <a16:creationId xmlns:a16="http://schemas.microsoft.com/office/drawing/2014/main" id="{0D74F0DD-9277-50B0-68E1-220BA8344883}"/>
+                <a16:creationId xmlns:a16="http://schemas.microsoft.com/office/drawing/2014/main" id="{BEC1259C-0A50-37A0-081E-E36D391D7A08}"/>
               </a:ext>
             </a:extLst>
           </p:cNvPr>
@@ -9550,13 +9559,6 @@
               <a:rPr lang="en-US" dirty="0"/>
               <a:t>Subscription Tracker</a:t>
             </a:r>
-            <a:br>
-              <a:rPr lang="en-US" dirty="0"/>
-            </a:br>
-            <a:r>
-              <a:rPr lang="en-US" dirty="0"/>
-              <a:t>Interim</a:t>
-            </a:r>
           </a:p>
         </p:txBody>
       </p:sp>
@@ -9565,7 +9567,7 @@
           <p:cNvPr id="3" name="Text Placeholder 2">
             <a:extLst>
               <a:ext uri="{FF2B5EF4-FFF2-40B4-BE49-F238E27FC236}">
-                <a16:creationId xmlns:a16="http://schemas.microsoft.com/office/drawing/2014/main" id="{FACB5A03-99D2-C953-F227-3E1620258992}"/>
+                <a16:creationId xmlns:a16="http://schemas.microsoft.com/office/drawing/2014/main" id="{B9136911-B582-CB5C-914D-58A0AE6AB75A}"/>
               </a:ext>
             </a:extLst>
           </p:cNvPr>
@@ -9578,52 +9580,66 @@
         </p:nvSpPr>
         <p:spPr>
           <a:xfrm>
-            <a:off x="5992427" y="1399032"/>
-            <a:ext cx="5803333" cy="4473369"/>
+            <a:off x="6096000" y="727676"/>
+            <a:ext cx="4828032" cy="490538"/>
           </a:xfrm>
         </p:spPr>
         <p:txBody>
           <a:bodyPr/>
           <a:lstStyle/>
           <a:p>
-            <a:pPr marL="342900" indent="-342900">
-              <a:buFont typeface="Arial" panose="020B0604020202020204" pitchFamily="34" charset="0"/>
-              <a:buChar char="•"/>
-            </a:pPr>
-            <a:r>
-              <a:rPr lang="en-US" sz="2800" dirty="0"/>
-              <a:t>Agile methodology selected</a:t>
-            </a:r>
-          </a:p>
-          <a:p>
-            <a:pPr marL="342900" indent="-342900">
-              <a:buFont typeface="Arial" panose="020B0604020202020204" pitchFamily="34" charset="0"/>
-              <a:buChar char="•"/>
-            </a:pPr>
-            <a:r>
-              <a:rPr lang="en-US" sz="2800" dirty="0"/>
-              <a:t>Weekly supervisor meetings</a:t>
-            </a:r>
-          </a:p>
-          <a:p>
-            <a:pPr marL="342900" indent="-342900">
-              <a:buFont typeface="Arial" panose="020B0604020202020204" pitchFamily="34" charset="0"/>
-              <a:buChar char="•"/>
-            </a:pPr>
-            <a:r>
-              <a:rPr lang="en-US" sz="2800" dirty="0"/>
-              <a:t>Weekly logs</a:t>
-            </a:r>
-          </a:p>
-          <a:p>
-            <a:pPr marL="342900" indent="-342900">
-              <a:buFont typeface="Arial" panose="020B0604020202020204" pitchFamily="34" charset="0"/>
-              <a:buChar char="•"/>
-            </a:pPr>
-            <a:r>
-              <a:rPr lang="en-US" sz="2800" dirty="0"/>
-              <a:t>GANTT chart tracking – report</a:t>
-            </a:r>
+            <a:r>
+              <a:rPr lang="en-US" dirty="0"/>
+              <a:t>User x User Matrix </a:t>
+            </a:r>
+          </a:p>
+        </p:txBody>
+      </p:sp>
+      <p:sp>
+        <p:nvSpPr>
+          <p:cNvPr id="5" name="Text Placeholder 4">
+            <a:extLst>
+              <a:ext uri="{FF2B5EF4-FFF2-40B4-BE49-F238E27FC236}">
+                <a16:creationId xmlns:a16="http://schemas.microsoft.com/office/drawing/2014/main" id="{E194D589-C330-607E-B446-0DA52AACC4E4}"/>
+              </a:ext>
+            </a:extLst>
+          </p:cNvPr>
+          <p:cNvSpPr>
+            <a:spLocks noGrp="1"/>
+          </p:cNvSpPr>
+          <p:nvPr>
+            <p:ph type="body" sz="quarter" idx="15"/>
+          </p:nvPr>
+        </p:nvSpPr>
+        <p:spPr>
+          <a:xfrm>
+            <a:off x="5854446" y="1192406"/>
+            <a:ext cx="4988052" cy="1682750"/>
+          </a:xfrm>
+        </p:spPr>
+        <p:txBody>
+          <a:bodyPr/>
+          <a:lstStyle/>
+          <a:p>
+            <a:r>
+              <a:rPr lang="en-US" dirty="0"/>
+              <a:t>Compares users with similar demographics</a:t>
+            </a:r>
+          </a:p>
+          <a:p>
+            <a:r>
+              <a:rPr lang="en-US" dirty="0"/>
+              <a:t>Checks subscriptions of these users</a:t>
+            </a:r>
+          </a:p>
+          <a:p>
+            <a:r>
+              <a:rPr lang="en-US" dirty="0"/>
+              <a:t>Recommends most common</a:t>
+            </a:r>
+          </a:p>
+          <a:p>
+            <a:endParaRPr lang="en-US" dirty="0"/>
           </a:p>
         </p:txBody>
       </p:sp>
@@ -9632,7 +9648,7 @@
           <p:cNvPr id="13" name="Slide Number Placeholder 12">
             <a:extLst>
               <a:ext uri="{FF2B5EF4-FFF2-40B4-BE49-F238E27FC236}">
-                <a16:creationId xmlns:a16="http://schemas.microsoft.com/office/drawing/2014/main" id="{CB0BAE21-4E4A-BE6E-EE84-D535446B94CD}"/>
+                <a16:creationId xmlns:a16="http://schemas.microsoft.com/office/drawing/2014/main" id="{208378E4-1369-B8BE-D097-D0A68C992F75}"/>
               </a:ext>
             </a:extLst>
           </p:cNvPr>
@@ -9657,10 +9673,648 @@
           </a:p>
         </p:txBody>
       </p:sp>
+      <p:sp>
+        <p:nvSpPr>
+          <p:cNvPr id="7" name="Text Placeholder 3">
+            <a:extLst>
+              <a:ext uri="{FF2B5EF4-FFF2-40B4-BE49-F238E27FC236}">
+                <a16:creationId xmlns:a16="http://schemas.microsoft.com/office/drawing/2014/main" id="{AF1C8D3F-5E94-4113-392B-657FBAA864AE}"/>
+              </a:ext>
+            </a:extLst>
+          </p:cNvPr>
+          <p:cNvSpPr txBox="1">
+            <a:spLocks/>
+          </p:cNvSpPr>
+          <p:nvPr/>
+        </p:nvSpPr>
+        <p:spPr>
+          <a:xfrm>
+            <a:off x="6131052" y="2526970"/>
+            <a:ext cx="4828032" cy="490538"/>
+          </a:xfrm>
+          <a:prstGeom prst="rect">
+            <a:avLst/>
+          </a:prstGeom>
+        </p:spPr>
+        <p:txBody>
+          <a:bodyPr vert="horz" lIns="91440" tIns="45720" rIns="91440" bIns="45720" rtlCol="0">
+            <a:noAutofit/>
+          </a:bodyPr>
+          <a:lstStyle>
+            <a:lvl1pPr marL="0" indent="0" algn="l" defTabSz="914400" rtl="0" eaLnBrk="1" latinLnBrk="0" hangingPunct="1">
+              <a:lnSpc>
+                <a:spcPct val="100000"/>
+              </a:lnSpc>
+              <a:spcBef>
+                <a:spcPts val="0"/>
+              </a:spcBef>
+              <a:buFont typeface="Arial" panose="020B0604020202020204" pitchFamily="34" charset="0"/>
+              <a:buNone/>
+              <a:defRPr sz="2200" b="1" kern="1200">
+                <a:solidFill>
+                  <a:schemeClr val="accent5"/>
+                </a:solidFill>
+                <a:latin typeface="+mn-lt"/>
+                <a:ea typeface="+mn-ea"/>
+                <a:cs typeface="+mn-cs"/>
+              </a:defRPr>
+            </a:lvl1pPr>
+            <a:lvl2pPr marL="685800" indent="-228600" algn="l" defTabSz="914400" rtl="0" eaLnBrk="1" latinLnBrk="0" hangingPunct="1">
+              <a:lnSpc>
+                <a:spcPct val="90000"/>
+              </a:lnSpc>
+              <a:spcBef>
+                <a:spcPts val="500"/>
+              </a:spcBef>
+              <a:buFont typeface="Arial" panose="020B0604020202020204" pitchFamily="34" charset="0"/>
+              <a:buChar char="•"/>
+              <a:defRPr sz="2400" kern="1200">
+                <a:solidFill>
+                  <a:schemeClr val="bg1"/>
+                </a:solidFill>
+                <a:latin typeface="+mn-lt"/>
+                <a:ea typeface="+mn-ea"/>
+                <a:cs typeface="+mn-cs"/>
+              </a:defRPr>
+            </a:lvl2pPr>
+            <a:lvl3pPr marL="1143000" indent="-228600" algn="l" defTabSz="914400" rtl="0" eaLnBrk="1" latinLnBrk="0" hangingPunct="1">
+              <a:lnSpc>
+                <a:spcPct val="90000"/>
+              </a:lnSpc>
+              <a:spcBef>
+                <a:spcPts val="500"/>
+              </a:spcBef>
+              <a:buFont typeface="Arial" panose="020B0604020202020204" pitchFamily="34" charset="0"/>
+              <a:buChar char="•"/>
+              <a:defRPr sz="2000" kern="1200">
+                <a:solidFill>
+                  <a:schemeClr val="bg1"/>
+                </a:solidFill>
+                <a:latin typeface="+mn-lt"/>
+                <a:ea typeface="+mn-ea"/>
+                <a:cs typeface="+mn-cs"/>
+              </a:defRPr>
+            </a:lvl3pPr>
+            <a:lvl4pPr marL="1600200" indent="-228600" algn="l" defTabSz="914400" rtl="0" eaLnBrk="1" latinLnBrk="0" hangingPunct="1">
+              <a:lnSpc>
+                <a:spcPct val="90000"/>
+              </a:lnSpc>
+              <a:spcBef>
+                <a:spcPts val="500"/>
+              </a:spcBef>
+              <a:buFont typeface="Arial" panose="020B0604020202020204" pitchFamily="34" charset="0"/>
+              <a:buChar char="•"/>
+              <a:defRPr sz="1800" kern="1200">
+                <a:solidFill>
+                  <a:schemeClr val="bg1"/>
+                </a:solidFill>
+                <a:latin typeface="+mn-lt"/>
+                <a:ea typeface="+mn-ea"/>
+                <a:cs typeface="+mn-cs"/>
+              </a:defRPr>
+            </a:lvl4pPr>
+            <a:lvl5pPr marL="2057400" indent="-228600" algn="l" defTabSz="914400" rtl="0" eaLnBrk="1" latinLnBrk="0" hangingPunct="1">
+              <a:lnSpc>
+                <a:spcPct val="90000"/>
+              </a:lnSpc>
+              <a:spcBef>
+                <a:spcPts val="500"/>
+              </a:spcBef>
+              <a:buFont typeface="Arial" panose="020B0604020202020204" pitchFamily="34" charset="0"/>
+              <a:buChar char="•"/>
+              <a:defRPr sz="1600" kern="1200">
+                <a:solidFill>
+                  <a:schemeClr val="bg1"/>
+                </a:solidFill>
+                <a:latin typeface="+mn-lt"/>
+                <a:ea typeface="+mn-ea"/>
+                <a:cs typeface="+mn-cs"/>
+              </a:defRPr>
+            </a:lvl5pPr>
+            <a:lvl6pPr marL="2514600" indent="-228600" algn="l" defTabSz="914400" rtl="0" eaLnBrk="1" latinLnBrk="0" hangingPunct="1">
+              <a:lnSpc>
+                <a:spcPct val="90000"/>
+              </a:lnSpc>
+              <a:spcBef>
+                <a:spcPts val="500"/>
+              </a:spcBef>
+              <a:buFont typeface="Arial" panose="020B0604020202020204" pitchFamily="34" charset="0"/>
+              <a:buChar char="•"/>
+              <a:defRPr sz="1800" kern="1200">
+                <a:solidFill>
+                  <a:schemeClr val="tx1"/>
+                </a:solidFill>
+                <a:latin typeface="+mn-lt"/>
+                <a:ea typeface="+mn-ea"/>
+                <a:cs typeface="+mn-cs"/>
+              </a:defRPr>
+            </a:lvl6pPr>
+            <a:lvl7pPr marL="2971800" indent="-228600" algn="l" defTabSz="914400" rtl="0" eaLnBrk="1" latinLnBrk="0" hangingPunct="1">
+              <a:lnSpc>
+                <a:spcPct val="90000"/>
+              </a:lnSpc>
+              <a:spcBef>
+                <a:spcPts val="500"/>
+              </a:spcBef>
+              <a:buFont typeface="Arial" panose="020B0604020202020204" pitchFamily="34" charset="0"/>
+              <a:buChar char="•"/>
+              <a:defRPr sz="1800" kern="1200">
+                <a:solidFill>
+                  <a:schemeClr val="tx1"/>
+                </a:solidFill>
+                <a:latin typeface="+mn-lt"/>
+                <a:ea typeface="+mn-ea"/>
+                <a:cs typeface="+mn-cs"/>
+              </a:defRPr>
+            </a:lvl7pPr>
+            <a:lvl8pPr marL="3429000" indent="-228600" algn="l" defTabSz="914400" rtl="0" eaLnBrk="1" latinLnBrk="0" hangingPunct="1">
+              <a:lnSpc>
+                <a:spcPct val="90000"/>
+              </a:lnSpc>
+              <a:spcBef>
+                <a:spcPts val="500"/>
+              </a:spcBef>
+              <a:buFont typeface="Arial" panose="020B0604020202020204" pitchFamily="34" charset="0"/>
+              <a:buChar char="•"/>
+              <a:defRPr sz="1800" kern="1200">
+                <a:solidFill>
+                  <a:schemeClr val="tx1"/>
+                </a:solidFill>
+                <a:latin typeface="+mn-lt"/>
+                <a:ea typeface="+mn-ea"/>
+                <a:cs typeface="+mn-cs"/>
+              </a:defRPr>
+            </a:lvl8pPr>
+            <a:lvl9pPr marL="3886200" indent="-228600" algn="l" defTabSz="914400" rtl="0" eaLnBrk="1" latinLnBrk="0" hangingPunct="1">
+              <a:lnSpc>
+                <a:spcPct val="90000"/>
+              </a:lnSpc>
+              <a:spcBef>
+                <a:spcPts val="500"/>
+              </a:spcBef>
+              <a:buFont typeface="Arial" panose="020B0604020202020204" pitchFamily="34" charset="0"/>
+              <a:buChar char="•"/>
+              <a:defRPr sz="1800" kern="1200">
+                <a:solidFill>
+                  <a:schemeClr val="tx1"/>
+                </a:solidFill>
+                <a:latin typeface="+mn-lt"/>
+                <a:ea typeface="+mn-ea"/>
+                <a:cs typeface="+mn-cs"/>
+              </a:defRPr>
+            </a:lvl9pPr>
+          </a:lstStyle>
+          <a:p>
+            <a:r>
+              <a:rPr lang="en-US" dirty="0"/>
+              <a:t>Item x Item Matrix </a:t>
+            </a:r>
+          </a:p>
+          <a:p>
+            <a:endParaRPr lang="en-US" dirty="0"/>
+          </a:p>
+        </p:txBody>
+      </p:sp>
+      <p:sp>
+        <p:nvSpPr>
+          <p:cNvPr id="8" name="Text Placeholder 5">
+            <a:extLst>
+              <a:ext uri="{FF2B5EF4-FFF2-40B4-BE49-F238E27FC236}">
+                <a16:creationId xmlns:a16="http://schemas.microsoft.com/office/drawing/2014/main" id="{54B43144-CE8A-5023-539E-21523376BF7E}"/>
+              </a:ext>
+            </a:extLst>
+          </p:cNvPr>
+          <p:cNvSpPr txBox="1">
+            <a:spLocks/>
+          </p:cNvSpPr>
+          <p:nvPr/>
+        </p:nvSpPr>
+        <p:spPr>
+          <a:xfrm>
+            <a:off x="5971032" y="3473917"/>
+            <a:ext cx="4754880" cy="1682750"/>
+          </a:xfrm>
+          <a:prstGeom prst="rect">
+            <a:avLst/>
+          </a:prstGeom>
+        </p:spPr>
+        <p:txBody>
+          <a:bodyPr vert="horz" lIns="91440" tIns="45720" rIns="91440" bIns="45720" rtlCol="0">
+            <a:noAutofit/>
+          </a:bodyPr>
+          <a:lstStyle>
+            <a:lvl1pPr marL="283464" indent="-283464" algn="l" defTabSz="914400" rtl="0" eaLnBrk="1" latinLnBrk="0" hangingPunct="1">
+              <a:lnSpc>
+                <a:spcPct val="150000"/>
+              </a:lnSpc>
+              <a:spcBef>
+                <a:spcPts val="0"/>
+              </a:spcBef>
+              <a:buFont typeface="Arial" panose="020B0604020202020204" pitchFamily="34" charset="0"/>
+              <a:buChar char="•"/>
+              <a:defRPr sz="1600" kern="1200">
+                <a:solidFill>
+                  <a:schemeClr val="accent5"/>
+                </a:solidFill>
+                <a:latin typeface="+mn-lt"/>
+                <a:ea typeface="+mn-ea"/>
+                <a:cs typeface="+mn-cs"/>
+              </a:defRPr>
+            </a:lvl1pPr>
+            <a:lvl2pPr marL="685800" indent="-283464" algn="l" defTabSz="914400" rtl="0" eaLnBrk="1" latinLnBrk="0" hangingPunct="1">
+              <a:lnSpc>
+                <a:spcPct val="150000"/>
+              </a:lnSpc>
+              <a:spcBef>
+                <a:spcPts val="0"/>
+              </a:spcBef>
+              <a:buFont typeface="Arial" panose="020B0604020202020204" pitchFamily="34" charset="0"/>
+              <a:buChar char="•"/>
+              <a:defRPr sz="1600" kern="1200">
+                <a:solidFill>
+                  <a:schemeClr val="accent5"/>
+                </a:solidFill>
+                <a:latin typeface="+mn-lt"/>
+                <a:ea typeface="+mn-ea"/>
+                <a:cs typeface="+mn-cs"/>
+              </a:defRPr>
+            </a:lvl2pPr>
+            <a:lvl3pPr marL="1143000" indent="-283464" algn="l" defTabSz="914400" rtl="0" eaLnBrk="1" latinLnBrk="0" hangingPunct="1">
+              <a:lnSpc>
+                <a:spcPct val="150000"/>
+              </a:lnSpc>
+              <a:spcBef>
+                <a:spcPts val="0"/>
+              </a:spcBef>
+              <a:buFont typeface="Arial" panose="020B0604020202020204" pitchFamily="34" charset="0"/>
+              <a:buChar char="•"/>
+              <a:defRPr sz="1600" kern="1200">
+                <a:solidFill>
+                  <a:schemeClr val="accent5"/>
+                </a:solidFill>
+                <a:latin typeface="+mn-lt"/>
+                <a:ea typeface="+mn-ea"/>
+                <a:cs typeface="+mn-cs"/>
+              </a:defRPr>
+            </a:lvl3pPr>
+            <a:lvl4pPr marL="1600200" indent="-283464" algn="l" defTabSz="914400" rtl="0" eaLnBrk="1" latinLnBrk="0" hangingPunct="1">
+              <a:lnSpc>
+                <a:spcPct val="150000"/>
+              </a:lnSpc>
+              <a:spcBef>
+                <a:spcPts val="0"/>
+              </a:spcBef>
+              <a:buFont typeface="Arial" panose="020B0604020202020204" pitchFamily="34" charset="0"/>
+              <a:buChar char="•"/>
+              <a:defRPr sz="1600" kern="1200">
+                <a:solidFill>
+                  <a:schemeClr val="accent5"/>
+                </a:solidFill>
+                <a:latin typeface="+mn-lt"/>
+                <a:ea typeface="+mn-ea"/>
+                <a:cs typeface="+mn-cs"/>
+              </a:defRPr>
+            </a:lvl4pPr>
+            <a:lvl5pPr marL="2057400" indent="-283464" algn="l" defTabSz="914400" rtl="0" eaLnBrk="1" latinLnBrk="0" hangingPunct="1">
+              <a:lnSpc>
+                <a:spcPct val="150000"/>
+              </a:lnSpc>
+              <a:spcBef>
+                <a:spcPts val="0"/>
+              </a:spcBef>
+              <a:buFont typeface="Arial" panose="020B0604020202020204" pitchFamily="34" charset="0"/>
+              <a:buChar char="•"/>
+              <a:defRPr sz="1600" kern="1200">
+                <a:solidFill>
+                  <a:schemeClr val="tx2"/>
+                </a:solidFill>
+                <a:latin typeface="+mn-lt"/>
+                <a:ea typeface="+mn-ea"/>
+                <a:cs typeface="+mn-cs"/>
+              </a:defRPr>
+            </a:lvl5pPr>
+            <a:lvl6pPr marL="2514600" indent="-228600" algn="l" defTabSz="914400" rtl="0" eaLnBrk="1" latinLnBrk="0" hangingPunct="1">
+              <a:lnSpc>
+                <a:spcPct val="90000"/>
+              </a:lnSpc>
+              <a:spcBef>
+                <a:spcPts val="500"/>
+              </a:spcBef>
+              <a:buFont typeface="Arial" panose="020B0604020202020204" pitchFamily="34" charset="0"/>
+              <a:buChar char="•"/>
+              <a:defRPr sz="1800" kern="1200">
+                <a:solidFill>
+                  <a:schemeClr val="tx1"/>
+                </a:solidFill>
+                <a:latin typeface="+mn-lt"/>
+                <a:ea typeface="+mn-ea"/>
+                <a:cs typeface="+mn-cs"/>
+              </a:defRPr>
+            </a:lvl6pPr>
+            <a:lvl7pPr marL="2971800" indent="-228600" algn="l" defTabSz="914400" rtl="0" eaLnBrk="1" latinLnBrk="0" hangingPunct="1">
+              <a:lnSpc>
+                <a:spcPct val="90000"/>
+              </a:lnSpc>
+              <a:spcBef>
+                <a:spcPts val="500"/>
+              </a:spcBef>
+              <a:buFont typeface="Arial" panose="020B0604020202020204" pitchFamily="34" charset="0"/>
+              <a:buChar char="•"/>
+              <a:defRPr sz="1800" kern="1200">
+                <a:solidFill>
+                  <a:schemeClr val="tx1"/>
+                </a:solidFill>
+                <a:latin typeface="+mn-lt"/>
+                <a:ea typeface="+mn-ea"/>
+                <a:cs typeface="+mn-cs"/>
+              </a:defRPr>
+            </a:lvl7pPr>
+            <a:lvl8pPr marL="3429000" indent="-228600" algn="l" defTabSz="914400" rtl="0" eaLnBrk="1" latinLnBrk="0" hangingPunct="1">
+              <a:lnSpc>
+                <a:spcPct val="90000"/>
+              </a:lnSpc>
+              <a:spcBef>
+                <a:spcPts val="500"/>
+              </a:spcBef>
+              <a:buFont typeface="Arial" panose="020B0604020202020204" pitchFamily="34" charset="0"/>
+              <a:buChar char="•"/>
+              <a:defRPr sz="1800" kern="1200">
+                <a:solidFill>
+                  <a:schemeClr val="tx1"/>
+                </a:solidFill>
+                <a:latin typeface="+mn-lt"/>
+                <a:ea typeface="+mn-ea"/>
+                <a:cs typeface="+mn-cs"/>
+              </a:defRPr>
+            </a:lvl8pPr>
+            <a:lvl9pPr marL="3886200" indent="-228600" algn="l" defTabSz="914400" rtl="0" eaLnBrk="1" latinLnBrk="0" hangingPunct="1">
+              <a:lnSpc>
+                <a:spcPct val="90000"/>
+              </a:lnSpc>
+              <a:spcBef>
+                <a:spcPts val="500"/>
+              </a:spcBef>
+              <a:buFont typeface="Arial" panose="020B0604020202020204" pitchFamily="34" charset="0"/>
+              <a:buChar char="•"/>
+              <a:defRPr sz="1800" kern="1200">
+                <a:solidFill>
+                  <a:schemeClr val="tx1"/>
+                </a:solidFill>
+                <a:latin typeface="+mn-lt"/>
+                <a:ea typeface="+mn-ea"/>
+                <a:cs typeface="+mn-cs"/>
+              </a:defRPr>
+            </a:lvl9pPr>
+          </a:lstStyle>
+          <a:p>
+            <a:endParaRPr lang="en-IE" sz="1800" dirty="0">
+              <a:latin typeface="CMR12"/>
+            </a:endParaRPr>
+          </a:p>
+        </p:txBody>
+      </p:sp>
+      <p:sp>
+        <p:nvSpPr>
+          <p:cNvPr id="16" name="Text Placeholder 4">
+            <a:extLst>
+              <a:ext uri="{FF2B5EF4-FFF2-40B4-BE49-F238E27FC236}">
+                <a16:creationId xmlns:a16="http://schemas.microsoft.com/office/drawing/2014/main" id="{7F9A1BFF-D809-229B-E9DD-38AF5019D664}"/>
+              </a:ext>
+            </a:extLst>
+          </p:cNvPr>
+          <p:cNvSpPr txBox="1">
+            <a:spLocks/>
+          </p:cNvSpPr>
+          <p:nvPr/>
+        </p:nvSpPr>
+        <p:spPr>
+          <a:xfrm>
+            <a:off x="5854446" y="2971748"/>
+            <a:ext cx="4988052" cy="1682750"/>
+          </a:xfrm>
+          <a:prstGeom prst="rect">
+            <a:avLst/>
+          </a:prstGeom>
+        </p:spPr>
+        <p:txBody>
+          <a:bodyPr vert="horz" lIns="91440" tIns="45720" rIns="91440" bIns="45720" rtlCol="0">
+            <a:noAutofit/>
+          </a:bodyPr>
+          <a:lstStyle>
+            <a:lvl1pPr marL="283464" indent="-283464" algn="l" defTabSz="914400" rtl="0" eaLnBrk="1" latinLnBrk="0" hangingPunct="1">
+              <a:lnSpc>
+                <a:spcPct val="150000"/>
+              </a:lnSpc>
+              <a:spcBef>
+                <a:spcPts val="0"/>
+              </a:spcBef>
+              <a:buFont typeface="Arial" panose="020B0604020202020204" pitchFamily="34" charset="0"/>
+              <a:buChar char="•"/>
+              <a:defRPr sz="1600" kern="1200">
+                <a:solidFill>
+                  <a:schemeClr val="accent5"/>
+                </a:solidFill>
+                <a:latin typeface="+mn-lt"/>
+                <a:ea typeface="+mn-ea"/>
+                <a:cs typeface="+mn-cs"/>
+              </a:defRPr>
+            </a:lvl1pPr>
+            <a:lvl2pPr marL="685800" indent="-283464" algn="l" defTabSz="914400" rtl="0" eaLnBrk="1" latinLnBrk="0" hangingPunct="1">
+              <a:lnSpc>
+                <a:spcPct val="150000"/>
+              </a:lnSpc>
+              <a:spcBef>
+                <a:spcPts val="0"/>
+              </a:spcBef>
+              <a:buFont typeface="Arial" panose="020B0604020202020204" pitchFamily="34" charset="0"/>
+              <a:buChar char="•"/>
+              <a:defRPr sz="1600" kern="1200">
+                <a:solidFill>
+                  <a:schemeClr val="accent5"/>
+                </a:solidFill>
+                <a:latin typeface="+mn-lt"/>
+                <a:ea typeface="+mn-ea"/>
+                <a:cs typeface="+mn-cs"/>
+              </a:defRPr>
+            </a:lvl2pPr>
+            <a:lvl3pPr marL="1143000" indent="-283464" algn="l" defTabSz="914400" rtl="0" eaLnBrk="1" latinLnBrk="0" hangingPunct="1">
+              <a:lnSpc>
+                <a:spcPct val="150000"/>
+              </a:lnSpc>
+              <a:spcBef>
+                <a:spcPts val="0"/>
+              </a:spcBef>
+              <a:buFont typeface="Arial" panose="020B0604020202020204" pitchFamily="34" charset="0"/>
+              <a:buChar char="•"/>
+              <a:defRPr sz="1600" kern="1200">
+                <a:solidFill>
+                  <a:schemeClr val="accent5"/>
+                </a:solidFill>
+                <a:latin typeface="+mn-lt"/>
+                <a:ea typeface="+mn-ea"/>
+                <a:cs typeface="+mn-cs"/>
+              </a:defRPr>
+            </a:lvl3pPr>
+            <a:lvl4pPr marL="1600200" indent="-283464" algn="l" defTabSz="914400" rtl="0" eaLnBrk="1" latinLnBrk="0" hangingPunct="1">
+              <a:lnSpc>
+                <a:spcPct val="150000"/>
+              </a:lnSpc>
+              <a:spcBef>
+                <a:spcPts val="0"/>
+              </a:spcBef>
+              <a:buFont typeface="Arial" panose="020B0604020202020204" pitchFamily="34" charset="0"/>
+              <a:buChar char="•"/>
+              <a:defRPr sz="1600" kern="1200">
+                <a:solidFill>
+                  <a:schemeClr val="accent5"/>
+                </a:solidFill>
+                <a:latin typeface="+mn-lt"/>
+                <a:ea typeface="+mn-ea"/>
+                <a:cs typeface="+mn-cs"/>
+              </a:defRPr>
+            </a:lvl4pPr>
+            <a:lvl5pPr marL="2057400" indent="-283464" algn="l" defTabSz="914400" rtl="0" eaLnBrk="1" latinLnBrk="0" hangingPunct="1">
+              <a:lnSpc>
+                <a:spcPct val="150000"/>
+              </a:lnSpc>
+              <a:spcBef>
+                <a:spcPts val="0"/>
+              </a:spcBef>
+              <a:buFont typeface="Arial" panose="020B0604020202020204" pitchFamily="34" charset="0"/>
+              <a:buChar char="•"/>
+              <a:defRPr sz="1600" kern="1200">
+                <a:solidFill>
+                  <a:schemeClr val="tx2"/>
+                </a:solidFill>
+                <a:latin typeface="+mn-lt"/>
+                <a:ea typeface="+mn-ea"/>
+                <a:cs typeface="+mn-cs"/>
+              </a:defRPr>
+            </a:lvl5pPr>
+            <a:lvl6pPr marL="2514600" indent="-228600" algn="l" defTabSz="914400" rtl="0" eaLnBrk="1" latinLnBrk="0" hangingPunct="1">
+              <a:lnSpc>
+                <a:spcPct val="90000"/>
+              </a:lnSpc>
+              <a:spcBef>
+                <a:spcPts val="500"/>
+              </a:spcBef>
+              <a:buFont typeface="Arial" panose="020B0604020202020204" pitchFamily="34" charset="0"/>
+              <a:buChar char="•"/>
+              <a:defRPr sz="1800" kern="1200">
+                <a:solidFill>
+                  <a:schemeClr val="tx1"/>
+                </a:solidFill>
+                <a:latin typeface="+mn-lt"/>
+                <a:ea typeface="+mn-ea"/>
+                <a:cs typeface="+mn-cs"/>
+              </a:defRPr>
+            </a:lvl6pPr>
+            <a:lvl7pPr marL="2971800" indent="-228600" algn="l" defTabSz="914400" rtl="0" eaLnBrk="1" latinLnBrk="0" hangingPunct="1">
+              <a:lnSpc>
+                <a:spcPct val="90000"/>
+              </a:lnSpc>
+              <a:spcBef>
+                <a:spcPts val="500"/>
+              </a:spcBef>
+              <a:buFont typeface="Arial" panose="020B0604020202020204" pitchFamily="34" charset="0"/>
+              <a:buChar char="•"/>
+              <a:defRPr sz="1800" kern="1200">
+                <a:solidFill>
+                  <a:schemeClr val="tx1"/>
+                </a:solidFill>
+                <a:latin typeface="+mn-lt"/>
+                <a:ea typeface="+mn-ea"/>
+                <a:cs typeface="+mn-cs"/>
+              </a:defRPr>
+            </a:lvl7pPr>
+            <a:lvl8pPr marL="3429000" indent="-228600" algn="l" defTabSz="914400" rtl="0" eaLnBrk="1" latinLnBrk="0" hangingPunct="1">
+              <a:lnSpc>
+                <a:spcPct val="90000"/>
+              </a:lnSpc>
+              <a:spcBef>
+                <a:spcPts val="500"/>
+              </a:spcBef>
+              <a:buFont typeface="Arial" panose="020B0604020202020204" pitchFamily="34" charset="0"/>
+              <a:buChar char="•"/>
+              <a:defRPr sz="1800" kern="1200">
+                <a:solidFill>
+                  <a:schemeClr val="tx1"/>
+                </a:solidFill>
+                <a:latin typeface="+mn-lt"/>
+                <a:ea typeface="+mn-ea"/>
+                <a:cs typeface="+mn-cs"/>
+              </a:defRPr>
+            </a:lvl8pPr>
+            <a:lvl9pPr marL="3886200" indent="-228600" algn="l" defTabSz="914400" rtl="0" eaLnBrk="1" latinLnBrk="0" hangingPunct="1">
+              <a:lnSpc>
+                <a:spcPct val="90000"/>
+              </a:lnSpc>
+              <a:spcBef>
+                <a:spcPts val="500"/>
+              </a:spcBef>
+              <a:buFont typeface="Arial" panose="020B0604020202020204" pitchFamily="34" charset="0"/>
+              <a:buChar char="•"/>
+              <a:defRPr sz="1800" kern="1200">
+                <a:solidFill>
+                  <a:schemeClr val="tx1"/>
+                </a:solidFill>
+                <a:latin typeface="+mn-lt"/>
+                <a:ea typeface="+mn-ea"/>
+                <a:cs typeface="+mn-cs"/>
+              </a:defRPr>
+            </a:lvl9pPr>
+          </a:lstStyle>
+          <a:p>
+            <a:r>
+              <a:rPr lang="en-US" dirty="0"/>
+              <a:t>Compares user subscriptions with similar types</a:t>
+            </a:r>
+          </a:p>
+          <a:p>
+            <a:r>
+              <a:rPr lang="en-US" dirty="0"/>
+              <a:t>Recommends similar subscriptions</a:t>
+            </a:r>
+          </a:p>
+          <a:p>
+            <a:endParaRPr lang="en-US" dirty="0"/>
+          </a:p>
+        </p:txBody>
+      </p:sp>
+      <p:pic>
+        <p:nvPicPr>
+          <p:cNvPr id="6" name="Picture 5">
+            <a:extLst>
+              <a:ext uri="{FF2B5EF4-FFF2-40B4-BE49-F238E27FC236}">
+                <a16:creationId xmlns:a16="http://schemas.microsoft.com/office/drawing/2014/main" id="{605D6102-FCB6-0613-E7D7-87B97B67D66C}"/>
+              </a:ext>
+            </a:extLst>
+          </p:cNvPr>
+          <p:cNvPicPr>
+            <a:picLocks noChangeAspect="1"/>
+          </p:cNvPicPr>
+          <p:nvPr/>
+        </p:nvPicPr>
+        <p:blipFill>
+          <a:blip r:embed="rId2"/>
+          <a:stretch>
+            <a:fillRect/>
+          </a:stretch>
+        </p:blipFill>
+        <p:spPr>
+          <a:xfrm>
+            <a:off x="3968319" y="3888112"/>
+            <a:ext cx="8302914" cy="2969888"/>
+          </a:xfrm>
+          <a:prstGeom prst="rect">
+            <a:avLst/>
+          </a:prstGeom>
+        </p:spPr>
+      </p:pic>
     </p:spTree>
     <p:extLst>
       <p:ext uri="{BB962C8B-B14F-4D97-AF65-F5344CB8AC3E}">
-        <p14:creationId xmlns:p14="http://schemas.microsoft.com/office/powerpoint/2010/main" val="341143651"/>
+        <p14:creationId xmlns:p14="http://schemas.microsoft.com/office/powerpoint/2010/main" val="4101669895"/>
       </p:ext>
     </p:extLst>
   </p:cSld>
@@ -9692,7 +10346,7 @@
           <p:cNvPr id="2" name="Title 1">
             <a:extLst>
               <a:ext uri="{FF2B5EF4-FFF2-40B4-BE49-F238E27FC236}">
-                <a16:creationId xmlns:a16="http://schemas.microsoft.com/office/drawing/2014/main" id="{F7291133-2B2D-CB5C-25A3-A6BBC6AC48F6}"/>
+                <a16:creationId xmlns:a16="http://schemas.microsoft.com/office/drawing/2014/main" id="{DB262C4D-3F97-1652-3A4A-C989986D9B65}"/>
               </a:ext>
             </a:extLst>
           </p:cNvPr>
@@ -9703,28 +10357,33 @@
             <p:ph type="title"/>
           </p:nvPr>
         </p:nvSpPr>
-        <p:spPr/>
+        <p:spPr>
+          <a:xfrm>
+            <a:off x="223628" y="1443421"/>
+            <a:ext cx="4846320" cy="1682749"/>
+          </a:xfrm>
+        </p:spPr>
         <p:txBody>
           <a:bodyPr/>
           <a:lstStyle/>
           <a:p>
             <a:r>
-              <a:rPr lang="en-IE" b="0" i="0" dirty="0">
+              <a:rPr lang="en-IE" sz="4400" b="0" i="0" dirty="0">
                 <a:effectLst/>
                 <a:latin typeface="Arial" panose="020B0604020202020204" pitchFamily="34" charset="0"/>
               </a:rPr>
-              <a:t>Prototype</a:t>
-            </a:r>
-            <a:endParaRPr lang="en-US" dirty="0"/>
-          </a:p>
-        </p:txBody>
-      </p:sp>
-      <p:sp>
-        <p:nvSpPr>
-          <p:cNvPr id="10" name="Footer Placeholder 9">
-            <a:extLst>
-              <a:ext uri="{FF2B5EF4-FFF2-40B4-BE49-F238E27FC236}">
-                <a16:creationId xmlns:a16="http://schemas.microsoft.com/office/drawing/2014/main" id="{15C361D4-2114-E276-681B-0EDACAD8E3D4}"/>
+              <a:t>Project Complexity</a:t>
+            </a:r>
+            <a:endParaRPr lang="en-US" sz="4400" dirty="0"/>
+          </a:p>
+        </p:txBody>
+      </p:sp>
+      <p:sp>
+        <p:nvSpPr>
+          <p:cNvPr id="12" name="Footer Placeholder 11">
+            <a:extLst>
+              <a:ext uri="{FF2B5EF4-FFF2-40B4-BE49-F238E27FC236}">
+                <a16:creationId xmlns:a16="http://schemas.microsoft.com/office/drawing/2014/main" id="{BEC1259C-0A50-37A0-081E-E36D391D7A08}"/>
               </a:ext>
             </a:extLst>
           </p:cNvPr>
@@ -9744,90 +10403,15 @@
               <a:rPr lang="en-US" dirty="0"/>
               <a:t>Subscription Tracker</a:t>
             </a:r>
-            <a:br>
-              <a:rPr lang="en-US" dirty="0"/>
-            </a:br>
-            <a:r>
-              <a:rPr lang="en-US" dirty="0"/>
-              <a:t>Interim</a:t>
-            </a:r>
-          </a:p>
-        </p:txBody>
-      </p:sp>
-      <p:sp>
-        <p:nvSpPr>
-          <p:cNvPr id="3" name="Text Placeholder 2">
-            <a:extLst>
-              <a:ext uri="{FF2B5EF4-FFF2-40B4-BE49-F238E27FC236}">
-                <a16:creationId xmlns:a16="http://schemas.microsoft.com/office/drawing/2014/main" id="{330480BD-3EF5-7A7E-9E81-E73191A1D49D}"/>
-              </a:ext>
-            </a:extLst>
-          </p:cNvPr>
-          <p:cNvSpPr>
-            <a:spLocks noGrp="1"/>
-          </p:cNvSpPr>
-          <p:nvPr>
-            <p:ph type="body" sz="quarter" idx="13"/>
-          </p:nvPr>
-        </p:nvSpPr>
-        <p:spPr/>
-        <p:txBody>
-          <a:bodyPr/>
-          <a:lstStyle/>
-          <a:p>
-            <a:r>
-              <a:rPr lang="en-US" dirty="0"/>
-              <a:t>Prototype</a:t>
-            </a:r>
-          </a:p>
-        </p:txBody>
-      </p:sp>
-      <p:sp>
-        <p:nvSpPr>
-          <p:cNvPr id="4" name="Text Placeholder 3">
-            <a:extLst>
-              <a:ext uri="{FF2B5EF4-FFF2-40B4-BE49-F238E27FC236}">
-                <a16:creationId xmlns:a16="http://schemas.microsoft.com/office/drawing/2014/main" id="{C86737C8-4322-77C9-4E34-94E5EE136DBC}"/>
-              </a:ext>
-            </a:extLst>
-          </p:cNvPr>
-          <p:cNvSpPr>
-            <a:spLocks noGrp="1"/>
-          </p:cNvSpPr>
-          <p:nvPr>
-            <p:ph type="body" sz="quarter" idx="15"/>
-          </p:nvPr>
-        </p:nvSpPr>
-        <p:spPr/>
-        <p:txBody>
-          <a:bodyPr/>
-          <a:lstStyle/>
-          <a:p>
-            <a:r>
-              <a:rPr lang="en-US" dirty="0"/>
-              <a:t>Functioning front end, backend and database</a:t>
-            </a:r>
-          </a:p>
-          <a:p>
-            <a:r>
-              <a:rPr lang="en-US" dirty="0"/>
-              <a:t>Hard coded mock information</a:t>
-            </a:r>
-          </a:p>
-          <a:p>
-            <a:r>
-              <a:rPr lang="en-US" dirty="0"/>
-              <a:t>Connection client through server to database</a:t>
-            </a:r>
-          </a:p>
-        </p:txBody>
-      </p:sp>
-      <p:sp>
-        <p:nvSpPr>
-          <p:cNvPr id="11" name="Slide Number Placeholder 10">
-            <a:extLst>
-              <a:ext uri="{FF2B5EF4-FFF2-40B4-BE49-F238E27FC236}">
-                <a16:creationId xmlns:a16="http://schemas.microsoft.com/office/drawing/2014/main" id="{F8FC4DAD-8F22-40DC-8133-22BF52217FB8}"/>
+          </a:p>
+        </p:txBody>
+      </p:sp>
+      <p:sp>
+        <p:nvSpPr>
+          <p:cNvPr id="13" name="Slide Number Placeholder 12">
+            <a:extLst>
+              <a:ext uri="{FF2B5EF4-FFF2-40B4-BE49-F238E27FC236}">
+                <a16:creationId xmlns:a16="http://schemas.microsoft.com/office/drawing/2014/main" id="{208378E4-1369-B8BE-D097-D0A68C992F75}"/>
               </a:ext>
             </a:extLst>
           </p:cNvPr>
@@ -9854,10 +10438,10 @@
       </p:sp>
       <p:sp>
         <p:nvSpPr>
-          <p:cNvPr id="8" name="Text Placeholder 2">
-            <a:extLst>
-              <a:ext uri="{FF2B5EF4-FFF2-40B4-BE49-F238E27FC236}">
-                <a16:creationId xmlns:a16="http://schemas.microsoft.com/office/drawing/2014/main" id="{D392A8DB-B84B-403E-12EB-2562150E29C3}"/>
+          <p:cNvPr id="8" name="Text Placeholder 5">
+            <a:extLst>
+              <a:ext uri="{FF2B5EF4-FFF2-40B4-BE49-F238E27FC236}">
+                <a16:creationId xmlns:a16="http://schemas.microsoft.com/office/drawing/2014/main" id="{54B43144-CE8A-5023-539E-21523376BF7E}"/>
               </a:ext>
             </a:extLst>
           </p:cNvPr>
@@ -9868,7 +10452,205 @@
         </p:nvSpPr>
         <p:spPr>
           <a:xfrm>
-            <a:off x="5907024" y="3483864"/>
+            <a:off x="5971032" y="3473917"/>
+            <a:ext cx="4754880" cy="1682750"/>
+          </a:xfrm>
+          <a:prstGeom prst="rect">
+            <a:avLst/>
+          </a:prstGeom>
+        </p:spPr>
+        <p:txBody>
+          <a:bodyPr vert="horz" lIns="91440" tIns="45720" rIns="91440" bIns="45720" rtlCol="0">
+            <a:noAutofit/>
+          </a:bodyPr>
+          <a:lstStyle>
+            <a:lvl1pPr marL="283464" indent="-283464" algn="l" defTabSz="914400" rtl="0" eaLnBrk="1" latinLnBrk="0" hangingPunct="1">
+              <a:lnSpc>
+                <a:spcPct val="150000"/>
+              </a:lnSpc>
+              <a:spcBef>
+                <a:spcPts val="0"/>
+              </a:spcBef>
+              <a:buFont typeface="Arial" panose="020B0604020202020204" pitchFamily="34" charset="0"/>
+              <a:buChar char="•"/>
+              <a:defRPr sz="1600" kern="1200">
+                <a:solidFill>
+                  <a:schemeClr val="accent5"/>
+                </a:solidFill>
+                <a:latin typeface="+mn-lt"/>
+                <a:ea typeface="+mn-ea"/>
+                <a:cs typeface="+mn-cs"/>
+              </a:defRPr>
+            </a:lvl1pPr>
+            <a:lvl2pPr marL="685800" indent="-283464" algn="l" defTabSz="914400" rtl="0" eaLnBrk="1" latinLnBrk="0" hangingPunct="1">
+              <a:lnSpc>
+                <a:spcPct val="150000"/>
+              </a:lnSpc>
+              <a:spcBef>
+                <a:spcPts val="0"/>
+              </a:spcBef>
+              <a:buFont typeface="Arial" panose="020B0604020202020204" pitchFamily="34" charset="0"/>
+              <a:buChar char="•"/>
+              <a:defRPr sz="1600" kern="1200">
+                <a:solidFill>
+                  <a:schemeClr val="accent5"/>
+                </a:solidFill>
+                <a:latin typeface="+mn-lt"/>
+                <a:ea typeface="+mn-ea"/>
+                <a:cs typeface="+mn-cs"/>
+              </a:defRPr>
+            </a:lvl2pPr>
+            <a:lvl3pPr marL="1143000" indent="-283464" algn="l" defTabSz="914400" rtl="0" eaLnBrk="1" latinLnBrk="0" hangingPunct="1">
+              <a:lnSpc>
+                <a:spcPct val="150000"/>
+              </a:lnSpc>
+              <a:spcBef>
+                <a:spcPts val="0"/>
+              </a:spcBef>
+              <a:buFont typeface="Arial" panose="020B0604020202020204" pitchFamily="34" charset="0"/>
+              <a:buChar char="•"/>
+              <a:defRPr sz="1600" kern="1200">
+                <a:solidFill>
+                  <a:schemeClr val="accent5"/>
+                </a:solidFill>
+                <a:latin typeface="+mn-lt"/>
+                <a:ea typeface="+mn-ea"/>
+                <a:cs typeface="+mn-cs"/>
+              </a:defRPr>
+            </a:lvl3pPr>
+            <a:lvl4pPr marL="1600200" indent="-283464" algn="l" defTabSz="914400" rtl="0" eaLnBrk="1" latinLnBrk="0" hangingPunct="1">
+              <a:lnSpc>
+                <a:spcPct val="150000"/>
+              </a:lnSpc>
+              <a:spcBef>
+                <a:spcPts val="0"/>
+              </a:spcBef>
+              <a:buFont typeface="Arial" panose="020B0604020202020204" pitchFamily="34" charset="0"/>
+              <a:buChar char="•"/>
+              <a:defRPr sz="1600" kern="1200">
+                <a:solidFill>
+                  <a:schemeClr val="accent5"/>
+                </a:solidFill>
+                <a:latin typeface="+mn-lt"/>
+                <a:ea typeface="+mn-ea"/>
+                <a:cs typeface="+mn-cs"/>
+              </a:defRPr>
+            </a:lvl4pPr>
+            <a:lvl5pPr marL="2057400" indent="-283464" algn="l" defTabSz="914400" rtl="0" eaLnBrk="1" latinLnBrk="0" hangingPunct="1">
+              <a:lnSpc>
+                <a:spcPct val="150000"/>
+              </a:lnSpc>
+              <a:spcBef>
+                <a:spcPts val="0"/>
+              </a:spcBef>
+              <a:buFont typeface="Arial" panose="020B0604020202020204" pitchFamily="34" charset="0"/>
+              <a:buChar char="•"/>
+              <a:defRPr sz="1600" kern="1200">
+                <a:solidFill>
+                  <a:schemeClr val="tx2"/>
+                </a:solidFill>
+                <a:latin typeface="+mn-lt"/>
+                <a:ea typeface="+mn-ea"/>
+                <a:cs typeface="+mn-cs"/>
+              </a:defRPr>
+            </a:lvl5pPr>
+            <a:lvl6pPr marL="2514600" indent="-228600" algn="l" defTabSz="914400" rtl="0" eaLnBrk="1" latinLnBrk="0" hangingPunct="1">
+              <a:lnSpc>
+                <a:spcPct val="90000"/>
+              </a:lnSpc>
+              <a:spcBef>
+                <a:spcPts val="500"/>
+              </a:spcBef>
+              <a:buFont typeface="Arial" panose="020B0604020202020204" pitchFamily="34" charset="0"/>
+              <a:buChar char="•"/>
+              <a:defRPr sz="1800" kern="1200">
+                <a:solidFill>
+                  <a:schemeClr val="tx1"/>
+                </a:solidFill>
+                <a:latin typeface="+mn-lt"/>
+                <a:ea typeface="+mn-ea"/>
+                <a:cs typeface="+mn-cs"/>
+              </a:defRPr>
+            </a:lvl6pPr>
+            <a:lvl7pPr marL="2971800" indent="-228600" algn="l" defTabSz="914400" rtl="0" eaLnBrk="1" latinLnBrk="0" hangingPunct="1">
+              <a:lnSpc>
+                <a:spcPct val="90000"/>
+              </a:lnSpc>
+              <a:spcBef>
+                <a:spcPts val="500"/>
+              </a:spcBef>
+              <a:buFont typeface="Arial" panose="020B0604020202020204" pitchFamily="34" charset="0"/>
+              <a:buChar char="•"/>
+              <a:defRPr sz="1800" kern="1200">
+                <a:solidFill>
+                  <a:schemeClr val="tx1"/>
+                </a:solidFill>
+                <a:latin typeface="+mn-lt"/>
+                <a:ea typeface="+mn-ea"/>
+                <a:cs typeface="+mn-cs"/>
+              </a:defRPr>
+            </a:lvl7pPr>
+            <a:lvl8pPr marL="3429000" indent="-228600" algn="l" defTabSz="914400" rtl="0" eaLnBrk="1" latinLnBrk="0" hangingPunct="1">
+              <a:lnSpc>
+                <a:spcPct val="90000"/>
+              </a:lnSpc>
+              <a:spcBef>
+                <a:spcPts val="500"/>
+              </a:spcBef>
+              <a:buFont typeface="Arial" panose="020B0604020202020204" pitchFamily="34" charset="0"/>
+              <a:buChar char="•"/>
+              <a:defRPr sz="1800" kern="1200">
+                <a:solidFill>
+                  <a:schemeClr val="tx1"/>
+                </a:solidFill>
+                <a:latin typeface="+mn-lt"/>
+                <a:ea typeface="+mn-ea"/>
+                <a:cs typeface="+mn-cs"/>
+              </a:defRPr>
+            </a:lvl8pPr>
+            <a:lvl9pPr marL="3886200" indent="-228600" algn="l" defTabSz="914400" rtl="0" eaLnBrk="1" latinLnBrk="0" hangingPunct="1">
+              <a:lnSpc>
+                <a:spcPct val="90000"/>
+              </a:lnSpc>
+              <a:spcBef>
+                <a:spcPts val="500"/>
+              </a:spcBef>
+              <a:buFont typeface="Arial" panose="020B0604020202020204" pitchFamily="34" charset="0"/>
+              <a:buChar char="•"/>
+              <a:defRPr sz="1800" kern="1200">
+                <a:solidFill>
+                  <a:schemeClr val="tx1"/>
+                </a:solidFill>
+                <a:latin typeface="+mn-lt"/>
+                <a:ea typeface="+mn-ea"/>
+                <a:cs typeface="+mn-cs"/>
+              </a:defRPr>
+            </a:lvl9pPr>
+          </a:lstStyle>
+          <a:p>
+            <a:endParaRPr lang="en-IE" sz="1800" dirty="0">
+              <a:latin typeface="CMR12"/>
+            </a:endParaRPr>
+          </a:p>
+        </p:txBody>
+      </p:sp>
+      <p:sp>
+        <p:nvSpPr>
+          <p:cNvPr id="15" name="Text Placeholder 3">
+            <a:extLst>
+              <a:ext uri="{FF2B5EF4-FFF2-40B4-BE49-F238E27FC236}">
+                <a16:creationId xmlns:a16="http://schemas.microsoft.com/office/drawing/2014/main" id="{97BB6E7E-C4EE-1F84-97FD-5504C2C7E887}"/>
+              </a:ext>
+            </a:extLst>
+          </p:cNvPr>
+          <p:cNvSpPr txBox="1">
+            <a:spLocks/>
+          </p:cNvSpPr>
+          <p:nvPr/>
+        </p:nvSpPr>
+        <p:spPr>
+          <a:xfrm>
+            <a:off x="6096000" y="921093"/>
             <a:ext cx="4828032" cy="490538"/>
           </a:xfrm>
           <a:prstGeom prst="rect">
@@ -9891,7 +10673,7 @@
               <a:buNone/>
               <a:defRPr sz="2200" b="1" kern="1200">
                 <a:solidFill>
-                  <a:schemeClr val="tx2"/>
+                  <a:schemeClr val="accent5"/>
                 </a:solidFill>
                 <a:latin typeface="+mn-lt"/>
                 <a:ea typeface="+mn-ea"/>
@@ -10046,17 +10828,20 @@
           <a:p>
             <a:r>
               <a:rPr lang="en-US" dirty="0"/>
-              <a:t>Future</a:t>
-            </a:r>
-          </a:p>
-        </p:txBody>
-      </p:sp>
-      <p:sp>
-        <p:nvSpPr>
-          <p:cNvPr id="9" name="Text Placeholder 3">
-            <a:extLst>
-              <a:ext uri="{FF2B5EF4-FFF2-40B4-BE49-F238E27FC236}">
-                <a16:creationId xmlns:a16="http://schemas.microsoft.com/office/drawing/2014/main" id="{DDE83AA5-D971-F73A-9931-EB22E8E46E6A}"/>
+              <a:t>User x Item Matrix </a:t>
+            </a:r>
+          </a:p>
+          <a:p>
+            <a:endParaRPr lang="en-US" dirty="0"/>
+          </a:p>
+        </p:txBody>
+      </p:sp>
+      <p:sp>
+        <p:nvSpPr>
+          <p:cNvPr id="17" name="Text Placeholder 4">
+            <a:extLst>
+              <a:ext uri="{FF2B5EF4-FFF2-40B4-BE49-F238E27FC236}">
+                <a16:creationId xmlns:a16="http://schemas.microsoft.com/office/drawing/2014/main" id="{E07988F2-C5DA-0E60-CC7A-62889E047586}"/>
               </a:ext>
             </a:extLst>
           </p:cNvPr>
@@ -10067,8 +10852,8 @@
         </p:nvSpPr>
         <p:spPr>
           <a:xfrm>
-            <a:off x="5760720" y="3931920"/>
-            <a:ext cx="4754880" cy="1682750"/>
+            <a:off x="6015990" y="1601399"/>
+            <a:ext cx="4988052" cy="1682750"/>
           </a:xfrm>
           <a:prstGeom prst="rect">
             <a:avLst/>
@@ -10090,7 +10875,7 @@
               <a:buChar char="•"/>
               <a:defRPr sz="1600" kern="1200">
                 <a:solidFill>
-                  <a:schemeClr val="tx2"/>
+                  <a:schemeClr val="accent5"/>
                 </a:solidFill>
                 <a:latin typeface="+mn-lt"/>
                 <a:ea typeface="+mn-ea"/>
@@ -10108,7 +10893,7 @@
               <a:buChar char="•"/>
               <a:defRPr sz="1600" kern="1200">
                 <a:solidFill>
-                  <a:schemeClr val="tx2"/>
+                  <a:schemeClr val="accent5"/>
                 </a:solidFill>
                 <a:latin typeface="+mn-lt"/>
                 <a:ea typeface="+mn-ea"/>
@@ -10126,7 +10911,7 @@
               <a:buChar char="•"/>
               <a:defRPr sz="1600" kern="1200">
                 <a:solidFill>
-                  <a:schemeClr val="tx2"/>
+                  <a:schemeClr val="accent5"/>
                 </a:solidFill>
                 <a:latin typeface="+mn-lt"/>
                 <a:ea typeface="+mn-ea"/>
@@ -10144,7 +10929,7 @@
               <a:buChar char="•"/>
               <a:defRPr sz="1600" kern="1200">
                 <a:solidFill>
-                  <a:schemeClr val="tx2"/>
+                  <a:schemeClr val="accent5"/>
                 </a:solidFill>
                 <a:latin typeface="+mn-lt"/>
                 <a:ea typeface="+mn-ea"/>
@@ -10245,33 +11030,90 @@
           <a:p>
             <a:r>
               <a:rPr lang="en-US" dirty="0"/>
-              <a:t>Populated site from database</a:t>
+              <a:t>Checks subscription ratings</a:t>
             </a:r>
           </a:p>
           <a:p>
             <a:r>
               <a:rPr lang="en-US" dirty="0"/>
-              <a:t>Redirect to login if needed</a:t>
+              <a:t>Estimate other ratings for users</a:t>
             </a:r>
           </a:p>
           <a:p>
             <a:r>
               <a:rPr lang="en-US" dirty="0"/>
-              <a:t>Subscription imports</a:t>
-            </a:r>
-          </a:p>
-          <a:p>
-            <a:r>
-              <a:rPr lang="en-US" dirty="0"/>
-              <a:t>Data analytics</a:t>
-            </a:r>
-          </a:p>
-        </p:txBody>
-      </p:sp>
+              <a:t>Recommend highest rating for user</a:t>
+            </a:r>
+          </a:p>
+          <a:p>
+            <a:endParaRPr lang="en-US" dirty="0"/>
+          </a:p>
+        </p:txBody>
+      </p:sp>
+      <p:pic>
+        <p:nvPicPr>
+          <p:cNvPr id="20" name="Picture 19">
+            <a:extLst>
+              <a:ext uri="{FF2B5EF4-FFF2-40B4-BE49-F238E27FC236}">
+                <a16:creationId xmlns:a16="http://schemas.microsoft.com/office/drawing/2014/main" id="{B4F41949-A7AF-65A5-7FFC-89C9DEB9F9E2}"/>
+              </a:ext>
+            </a:extLst>
+          </p:cNvPr>
+          <p:cNvPicPr>
+            <a:picLocks noChangeAspect="1"/>
+          </p:cNvPicPr>
+          <p:nvPr/>
+        </p:nvPicPr>
+        <p:blipFill>
+          <a:blip r:embed="rId2"/>
+          <a:stretch>
+            <a:fillRect/>
+          </a:stretch>
+        </p:blipFill>
+        <p:spPr>
+          <a:xfrm>
+            <a:off x="6431517" y="3284150"/>
+            <a:ext cx="5760483" cy="2924215"/>
+          </a:xfrm>
+          <a:prstGeom prst="rect">
+            <a:avLst/>
+          </a:prstGeom>
+        </p:spPr>
+      </p:pic>
+      <p:pic>
+        <p:nvPicPr>
+          <p:cNvPr id="21" name="Picture 20">
+            <a:extLst>
+              <a:ext uri="{FF2B5EF4-FFF2-40B4-BE49-F238E27FC236}">
+                <a16:creationId xmlns:a16="http://schemas.microsoft.com/office/drawing/2014/main" id="{D61CD8DD-E1AF-1C6A-6990-0D4DE49F719D}"/>
+              </a:ext>
+            </a:extLst>
+          </p:cNvPr>
+          <p:cNvPicPr>
+            <a:picLocks noChangeAspect="1"/>
+          </p:cNvPicPr>
+          <p:nvPr/>
+        </p:nvPicPr>
+        <p:blipFill>
+          <a:blip r:embed="rId3"/>
+          <a:stretch>
+            <a:fillRect/>
+          </a:stretch>
+        </p:blipFill>
+        <p:spPr>
+          <a:xfrm>
+            <a:off x="0" y="3284149"/>
+            <a:ext cx="5814820" cy="2924216"/>
+          </a:xfrm>
+          <a:prstGeom prst="rect">
+            <a:avLst/>
+          </a:prstGeom>
+        </p:spPr>
+      </p:pic>
     </p:spTree>
     <p:extLst>
       <p:ext uri="{BB962C8B-B14F-4D97-AF65-F5344CB8AC3E}">
-        <p14:creationId xmlns:p14="http://schemas.microsoft.com/office/powerpoint/2010/main" val="901526237"/>
+        <p14:creationId xmlns:p14="http://schemas.microsoft.com/office/powerpoint/2010/main" val="3947845864"/>
       </p:ext>
     </p:extLst>
   </p:cSld>
@@ -10303,6 +11145,385 @@
           <p:cNvPr id="2" name="Title 1">
             <a:extLst>
               <a:ext uri="{FF2B5EF4-FFF2-40B4-BE49-F238E27FC236}">
+                <a16:creationId xmlns:a16="http://schemas.microsoft.com/office/drawing/2014/main" id="{D53393CE-9363-72CB-FD40-73A65C0DCC57}"/>
+              </a:ext>
+            </a:extLst>
+          </p:cNvPr>
+          <p:cNvSpPr>
+            <a:spLocks noGrp="1"/>
+          </p:cNvSpPr>
+          <p:nvPr>
+            <p:ph type="title"/>
+          </p:nvPr>
+        </p:nvSpPr>
+        <p:spPr/>
+        <p:txBody>
+          <a:bodyPr/>
+          <a:lstStyle/>
+          <a:p>
+            <a:r>
+              <a:rPr lang="en-US" sz="4500" dirty="0"/>
+              <a:t>Testing</a:t>
+            </a:r>
+          </a:p>
+        </p:txBody>
+      </p:sp>
+      <p:sp>
+        <p:nvSpPr>
+          <p:cNvPr id="12" name="Footer Placeholder 11">
+            <a:extLst>
+              <a:ext uri="{FF2B5EF4-FFF2-40B4-BE49-F238E27FC236}">
+                <a16:creationId xmlns:a16="http://schemas.microsoft.com/office/drawing/2014/main" id="{0D74F0DD-9277-50B0-68E1-220BA8344883}"/>
+              </a:ext>
+            </a:extLst>
+          </p:cNvPr>
+          <p:cNvSpPr>
+            <a:spLocks noGrp="1"/>
+          </p:cNvSpPr>
+          <p:nvPr>
+            <p:ph type="ftr" sz="quarter" idx="11"/>
+          </p:nvPr>
+        </p:nvSpPr>
+        <p:spPr/>
+        <p:txBody>
+          <a:bodyPr/>
+          <a:lstStyle/>
+          <a:p>
+            <a:r>
+              <a:rPr lang="en-US" dirty="0"/>
+              <a:t>Subscription Tracker</a:t>
+            </a:r>
+          </a:p>
+        </p:txBody>
+      </p:sp>
+      <p:sp>
+        <p:nvSpPr>
+          <p:cNvPr id="3" name="Text Placeholder 2">
+            <a:extLst>
+              <a:ext uri="{FF2B5EF4-FFF2-40B4-BE49-F238E27FC236}">
+                <a16:creationId xmlns:a16="http://schemas.microsoft.com/office/drawing/2014/main" id="{FACB5A03-99D2-C953-F227-3E1620258992}"/>
+              </a:ext>
+            </a:extLst>
+          </p:cNvPr>
+          <p:cNvSpPr>
+            <a:spLocks noGrp="1"/>
+          </p:cNvSpPr>
+          <p:nvPr>
+            <p:ph type="body" sz="quarter" idx="13"/>
+          </p:nvPr>
+        </p:nvSpPr>
+        <p:spPr>
+          <a:xfrm>
+            <a:off x="5992427" y="1842915"/>
+            <a:ext cx="5803333" cy="4473369"/>
+          </a:xfrm>
+        </p:spPr>
+        <p:txBody>
+          <a:bodyPr/>
+          <a:lstStyle/>
+          <a:p>
+            <a:pPr marL="342900" indent="-342900">
+              <a:buFont typeface="Arial" panose="020B0604020202020204" pitchFamily="34" charset="0"/>
+              <a:buChar char="•"/>
+            </a:pPr>
+            <a:r>
+              <a:rPr lang="en-US" sz="2800" dirty="0"/>
+              <a:t>Feature testing</a:t>
+            </a:r>
+          </a:p>
+          <a:p>
+            <a:pPr marL="342900" indent="-342900">
+              <a:buFont typeface="Arial" panose="020B0604020202020204" pitchFamily="34" charset="0"/>
+              <a:buChar char="•"/>
+            </a:pPr>
+            <a:r>
+              <a:rPr lang="en-US" sz="2800" dirty="0"/>
+              <a:t>Database testing</a:t>
+            </a:r>
+          </a:p>
+          <a:p>
+            <a:pPr marL="342900" indent="-342900">
+              <a:buFont typeface="Arial" panose="020B0604020202020204" pitchFamily="34" charset="0"/>
+              <a:buChar char="•"/>
+            </a:pPr>
+            <a:r>
+              <a:rPr lang="en-US" sz="2800" dirty="0"/>
+              <a:t>Usability testing</a:t>
+            </a:r>
+          </a:p>
+          <a:p>
+            <a:pPr marL="342900" indent="-342900">
+              <a:buFont typeface="Arial" panose="020B0604020202020204" pitchFamily="34" charset="0"/>
+              <a:buChar char="•"/>
+            </a:pPr>
+            <a:r>
+              <a:rPr lang="en-US" sz="2800" dirty="0"/>
+              <a:t>Recommendation testing</a:t>
+            </a:r>
+          </a:p>
+          <a:p>
+            <a:pPr marL="342900" indent="-342900">
+              <a:buFont typeface="Arial" panose="020B0604020202020204" pitchFamily="34" charset="0"/>
+              <a:buChar char="•"/>
+            </a:pPr>
+            <a:endParaRPr lang="en-US" sz="2800" dirty="0"/>
+          </a:p>
+          <a:p>
+            <a:pPr marL="342900" indent="-342900">
+              <a:buFont typeface="Arial" panose="020B0604020202020204" pitchFamily="34" charset="0"/>
+              <a:buChar char="•"/>
+            </a:pPr>
+            <a:endParaRPr lang="en-US" sz="2800" dirty="0"/>
+          </a:p>
+        </p:txBody>
+      </p:sp>
+      <p:sp>
+        <p:nvSpPr>
+          <p:cNvPr id="13" name="Slide Number Placeholder 12">
+            <a:extLst>
+              <a:ext uri="{FF2B5EF4-FFF2-40B4-BE49-F238E27FC236}">
+                <a16:creationId xmlns:a16="http://schemas.microsoft.com/office/drawing/2014/main" id="{CB0BAE21-4E4A-BE6E-EE84-D535446B94CD}"/>
+              </a:ext>
+            </a:extLst>
+          </p:cNvPr>
+          <p:cNvSpPr>
+            <a:spLocks noGrp="1"/>
+          </p:cNvSpPr>
+          <p:nvPr>
+            <p:ph type="sldNum" sz="quarter" idx="12"/>
+          </p:nvPr>
+        </p:nvSpPr>
+        <p:spPr/>
+        <p:txBody>
+          <a:bodyPr/>
+          <a:lstStyle/>
+          <a:p>
+            <a:fld id="{5BFCF61C-3B18-4C03-8326-CC3B32D710C9}" type="slidenum">
+              <a:rPr lang="en-US" smtClean="0"/>
+              <a:pPr/>
+              <a:t>12</a:t>
+            </a:fld>
+            <a:endParaRPr lang="en-US"/>
+          </a:p>
+        </p:txBody>
+      </p:sp>
+    </p:spTree>
+    <p:extLst>
+      <p:ext uri="{BB962C8B-B14F-4D97-AF65-F5344CB8AC3E}">
+        <p14:creationId xmlns:p14="http://schemas.microsoft.com/office/powerpoint/2010/main" val="3807863371"/>
+      </p:ext>
+    </p:extLst>
+  </p:cSld>
+  <p:clrMapOvr>
+    <a:masterClrMapping/>
+  </p:clrMapOvr>
+</p:sld>
+</file>
+
+<file path=ppt/slides/slide13.xml><?xml version="1.0" encoding="utf-8"?>
+<p:sld xmlns:a="http://schemas.openxmlformats.org/drawingml/2006/main" xmlns:r="http://schemas.openxmlformats.org/officeDocument/2006/relationships" xmlns:p="http://schemas.openxmlformats.org/presentationml/2006/main">
+  <p:cSld>
+    <p:spTree>
+      <p:nvGrpSpPr>
+        <p:cNvPr id="1" name=""/>
+        <p:cNvGrpSpPr/>
+        <p:nvPr/>
+      </p:nvGrpSpPr>
+      <p:grpSpPr>
+        <a:xfrm>
+          <a:off x="0" y="0"/>
+          <a:ext cx="0" cy="0"/>
+          <a:chOff x="0" y="0"/>
+          <a:chExt cx="0" cy="0"/>
+        </a:xfrm>
+      </p:grpSpPr>
+      <p:sp>
+        <p:nvSpPr>
+          <p:cNvPr id="2" name="Title 1">
+            <a:extLst>
+              <a:ext uri="{FF2B5EF4-FFF2-40B4-BE49-F238E27FC236}">
+                <a16:creationId xmlns:a16="http://schemas.microsoft.com/office/drawing/2014/main" id="{D53393CE-9363-72CB-FD40-73A65C0DCC57}"/>
+              </a:ext>
+            </a:extLst>
+          </p:cNvPr>
+          <p:cNvSpPr>
+            <a:spLocks noGrp="1"/>
+          </p:cNvSpPr>
+          <p:nvPr>
+            <p:ph type="title"/>
+          </p:nvPr>
+        </p:nvSpPr>
+        <p:spPr>
+          <a:xfrm>
+            <a:off x="1309946" y="1399032"/>
+            <a:ext cx="10296410" cy="1255391"/>
+          </a:xfrm>
+        </p:spPr>
+        <p:txBody>
+          <a:bodyPr/>
+          <a:lstStyle/>
+          <a:p>
+            <a:r>
+              <a:rPr lang="en-US" sz="4800" dirty="0"/>
+              <a:t>Recommendation testing</a:t>
+            </a:r>
+            <a:endParaRPr lang="en-US" sz="4500" dirty="0"/>
+          </a:p>
+        </p:txBody>
+      </p:sp>
+      <p:sp>
+        <p:nvSpPr>
+          <p:cNvPr id="12" name="Footer Placeholder 11">
+            <a:extLst>
+              <a:ext uri="{FF2B5EF4-FFF2-40B4-BE49-F238E27FC236}">
+                <a16:creationId xmlns:a16="http://schemas.microsoft.com/office/drawing/2014/main" id="{0D74F0DD-9277-50B0-68E1-220BA8344883}"/>
+              </a:ext>
+            </a:extLst>
+          </p:cNvPr>
+          <p:cNvSpPr>
+            <a:spLocks noGrp="1"/>
+          </p:cNvSpPr>
+          <p:nvPr>
+            <p:ph type="ftr" sz="quarter" idx="11"/>
+          </p:nvPr>
+        </p:nvSpPr>
+        <p:spPr/>
+        <p:txBody>
+          <a:bodyPr/>
+          <a:lstStyle/>
+          <a:p>
+            <a:r>
+              <a:rPr lang="en-US" dirty="0"/>
+              <a:t>Subscription Tracker</a:t>
+            </a:r>
+          </a:p>
+        </p:txBody>
+      </p:sp>
+      <p:sp>
+        <p:nvSpPr>
+          <p:cNvPr id="13" name="Slide Number Placeholder 12">
+            <a:extLst>
+              <a:ext uri="{FF2B5EF4-FFF2-40B4-BE49-F238E27FC236}">
+                <a16:creationId xmlns:a16="http://schemas.microsoft.com/office/drawing/2014/main" id="{CB0BAE21-4E4A-BE6E-EE84-D535446B94CD}"/>
+              </a:ext>
+            </a:extLst>
+          </p:cNvPr>
+          <p:cNvSpPr>
+            <a:spLocks noGrp="1"/>
+          </p:cNvSpPr>
+          <p:nvPr>
+            <p:ph type="sldNum" sz="quarter" idx="12"/>
+          </p:nvPr>
+        </p:nvSpPr>
+        <p:spPr/>
+        <p:txBody>
+          <a:bodyPr/>
+          <a:lstStyle/>
+          <a:p>
+            <a:fld id="{5BFCF61C-3B18-4C03-8326-CC3B32D710C9}" type="slidenum">
+              <a:rPr lang="en-US" smtClean="0"/>
+              <a:pPr/>
+              <a:t>13</a:t>
+            </a:fld>
+            <a:endParaRPr lang="en-US"/>
+          </a:p>
+        </p:txBody>
+      </p:sp>
+      <p:pic>
+        <p:nvPicPr>
+          <p:cNvPr id="6" name="Picture 5">
+            <a:extLst>
+              <a:ext uri="{FF2B5EF4-FFF2-40B4-BE49-F238E27FC236}">
+                <a16:creationId xmlns:a16="http://schemas.microsoft.com/office/drawing/2014/main" id="{F5031868-1CC4-6177-FFAE-4FE3EF5BA0AC}"/>
+              </a:ext>
+            </a:extLst>
+          </p:cNvPr>
+          <p:cNvPicPr>
+            <a:picLocks noChangeAspect="1"/>
+          </p:cNvPicPr>
+          <p:nvPr/>
+        </p:nvPicPr>
+        <p:blipFill>
+          <a:blip r:embed="rId2"/>
+          <a:stretch>
+            <a:fillRect/>
+          </a:stretch>
+        </p:blipFill>
+        <p:spPr>
+          <a:xfrm>
+            <a:off x="0" y="2965143"/>
+            <a:ext cx="5947784" cy="3242808"/>
+          </a:xfrm>
+          <a:prstGeom prst="rect">
+            <a:avLst/>
+          </a:prstGeom>
+        </p:spPr>
+      </p:pic>
+      <p:pic>
+        <p:nvPicPr>
+          <p:cNvPr id="7" name="Picture 6">
+            <a:extLst>
+              <a:ext uri="{FF2B5EF4-FFF2-40B4-BE49-F238E27FC236}">
+                <a16:creationId xmlns:a16="http://schemas.microsoft.com/office/drawing/2014/main" id="{1F65446F-6462-318A-F5E6-99A37D765848}"/>
+              </a:ext>
+            </a:extLst>
+          </p:cNvPr>
+          <p:cNvPicPr>
+            <a:picLocks noChangeAspect="1"/>
+          </p:cNvPicPr>
+          <p:nvPr/>
+        </p:nvPicPr>
+        <p:blipFill>
+          <a:blip r:embed="rId3"/>
+          <a:stretch>
+            <a:fillRect/>
+          </a:stretch>
+        </p:blipFill>
+        <p:spPr>
+          <a:xfrm>
+            <a:off x="6010316" y="2965143"/>
+            <a:ext cx="6248914" cy="3242807"/>
+          </a:xfrm>
+          <a:prstGeom prst="rect">
+            <a:avLst/>
+          </a:prstGeom>
+        </p:spPr>
+      </p:pic>
+    </p:spTree>
+    <p:extLst>
+      <p:ext uri="{BB962C8B-B14F-4D97-AF65-F5344CB8AC3E}">
+        <p14:creationId xmlns:p14="http://schemas.microsoft.com/office/powerpoint/2010/main" val="4135875187"/>
+      </p:ext>
+    </p:extLst>
+  </p:cSld>
+  <p:clrMapOvr>
+    <a:masterClrMapping/>
+  </p:clrMapOvr>
+</p:sld>
+</file>
+
+<file path=ppt/slides/slide14.xml><?xml version="1.0" encoding="utf-8"?>
+<p:sld xmlns:a="http://schemas.openxmlformats.org/drawingml/2006/main" xmlns:r="http://schemas.openxmlformats.org/officeDocument/2006/relationships" xmlns:p="http://schemas.openxmlformats.org/presentationml/2006/main">
+  <p:cSld>
+    <p:spTree>
+      <p:nvGrpSpPr>
+        <p:cNvPr id="1" name=""/>
+        <p:cNvGrpSpPr/>
+        <p:nvPr/>
+      </p:nvGrpSpPr>
+      <p:grpSpPr>
+        <a:xfrm>
+          <a:off x="0" y="0"/>
+          <a:ext cx="0" cy="0"/>
+          <a:chOff x="0" y="0"/>
+          <a:chExt cx="0" cy="0"/>
+        </a:xfrm>
+      </p:grpSpPr>
+      <p:sp>
+        <p:nvSpPr>
+          <p:cNvPr id="2" name="Title 1">
+            <a:extLst>
+              <a:ext uri="{FF2B5EF4-FFF2-40B4-BE49-F238E27FC236}">
                 <a16:creationId xmlns:a16="http://schemas.microsoft.com/office/drawing/2014/main" id="{A052E563-D2B2-A0AD-3574-E8C8FDCE3DAC}"/>
               </a:ext>
             </a:extLst>
@@ -10356,13 +11577,6 @@
               <a:rPr lang="en-US" dirty="0"/>
               <a:t>Subscription Tracker</a:t>
             </a:r>
-            <a:br>
-              <a:rPr lang="en-US" dirty="0"/>
-            </a:br>
-            <a:r>
-              <a:rPr lang="en-US" dirty="0"/>
-              <a:t>Interim</a:t>
-            </a:r>
           </a:p>
         </p:txBody>
       </p:sp>
@@ -10390,7 +11604,7 @@
             <a:fld id="{5BFCF61C-3B18-4C03-8326-CC3B32D710C9}" type="slidenum">
               <a:rPr lang="en-US" smtClean="0"/>
               <a:pPr/>
-              <a:t>12</a:t>
+              <a:t>14</a:t>
             </a:fld>
             <a:endParaRPr lang="en-US"/>
           </a:p>
@@ -10447,7 +11661,7 @@
           <a:p>
             <a:r>
               <a:rPr lang="en-IE" dirty="0"/>
-              <a:t>I will now walk though a demo of the current web application progress</a:t>
+              <a:t>I will now walk though a demo of the web app</a:t>
             </a:r>
           </a:p>
         </p:txBody>
@@ -10470,7 +11684,7 @@
         </p:nvSpPr>
         <p:spPr>
           <a:xfrm>
-            <a:off x="630936" y="2829846"/>
+            <a:off x="630936" y="2468880"/>
             <a:ext cx="4828032" cy="490538"/>
           </a:xfrm>
         </p:spPr>
@@ -10503,7 +11717,7 @@
         </p:nvSpPr>
         <p:spPr>
           <a:xfrm>
-            <a:off x="411480" y="3416175"/>
+            <a:off x="411480" y="3012807"/>
             <a:ext cx="4754880" cy="1990326"/>
           </a:xfrm>
         </p:spPr>
@@ -10519,20 +11733,15 @@
           <a:p>
             <a:r>
               <a:rPr lang="en-IE" dirty="0"/>
-              <a:t>Suggested functionality</a:t>
-            </a:r>
-          </a:p>
-          <a:p>
-            <a:r>
-              <a:rPr lang="en-IE" dirty="0"/>
+              <a:t>Database functionality</a:t>
+            </a:r>
+          </a:p>
+          <a:p>
+            <a:r>
+              <a:rPr lang="en-IE"/>
               <a:t>Recommendations</a:t>
             </a:r>
-          </a:p>
-          <a:p>
-            <a:r>
-              <a:rPr lang="en-IE" dirty="0"/>
-              <a:t>Database connections log</a:t>
-            </a:r>
+            <a:endParaRPr lang="en-IE" dirty="0"/>
           </a:p>
         </p:txBody>
       </p:sp>
@@ -10549,7 +11758,7 @@
 </p:sld>
 </file>
 
-<file path=ppt/slides/slide13.xml><?xml version="1.0" encoding="utf-8"?>
+<file path=ppt/slides/slide15.xml><?xml version="1.0" encoding="utf-8"?>
 <p:sld xmlns:a="http://schemas.openxmlformats.org/drawingml/2006/main" xmlns:r="http://schemas.openxmlformats.org/officeDocument/2006/relationships" xmlns:p="http://schemas.openxmlformats.org/presentationml/2006/main">
   <p:cSld>
     <p:spTree>
@@ -10662,7 +11871,7 @@
           <a:p>
             <a:r>
               <a:rPr lang="en-US" dirty="0"/>
-              <a:t>Overview</a:t>
+              <a:t>Aims &amp; objectives</a:t>
             </a:r>
           </a:p>
         </p:txBody>
@@ -10691,13 +11900,6 @@
             <a:r>
               <a:rPr lang="en-US" dirty="0"/>
               <a:t>Subscription Tracker</a:t>
-            </a:r>
-            <a:br>
-              <a:rPr lang="en-US" dirty="0"/>
-            </a:br>
-            <a:r>
-              <a:rPr lang="en-US" dirty="0"/>
-              <a:t>Interim</a:t>
             </a:r>
           </a:p>
         </p:txBody>
@@ -10790,7 +11992,7 @@
             </a:pPr>
             <a:r>
               <a:rPr lang="en-US" dirty="0"/>
-              <a:t>Find forgotten subscriptions</a:t>
+              <a:t>Find recurring subscription payment</a:t>
             </a:r>
           </a:p>
           <a:p>
@@ -10902,13 +12104,6 @@
               <a:rPr lang="en-US" dirty="0"/>
               <a:t>Subscription Tracker</a:t>
             </a:r>
-            <a:br>
-              <a:rPr lang="en-US" dirty="0"/>
-            </a:br>
-            <a:r>
-              <a:rPr lang="en-US" dirty="0"/>
-              <a:t>Interim</a:t>
-            </a:r>
           </a:p>
         </p:txBody>
       </p:sp>
@@ -10971,12 +12166,20 @@
           <a:bodyPr/>
           <a:lstStyle/>
           <a:p>
-            <a:pPr algn="l"/>
             <a:r>
               <a:rPr lang="en-GB" sz="1800" b="0" i="0" u="none" strike="noStrike" baseline="0" dirty="0">
                 <a:latin typeface="CMR12"/>
               </a:rPr>
-              <a:t>In the last 5 years the subscription market has grown by over 100%</a:t>
+              <a:t>$57.0 million in 2011</a:t>
+            </a:r>
+          </a:p>
+          <a:p>
+            <a:pPr algn="l"/>
+            <a:r>
+              <a:rPr lang="en-GB" sz="1800" b="0" i="0" u="none" strike="noStrike" baseline="0" dirty="0">
+                <a:latin typeface="CMR12"/>
+              </a:rPr>
+              <a:t>$2.6 billion in sales in 2016</a:t>
             </a:r>
           </a:p>
           <a:p>
@@ -10991,7 +12194,16 @@
               <a:rPr lang="en-GB" sz="1800" b="0" i="0" u="none" strike="noStrike" baseline="0" dirty="0">
                 <a:latin typeface="CMR12"/>
               </a:rPr>
-              <a:t>are media services that 46% of online shoppers were shown to use</a:t>
+              <a:t>are media services</a:t>
+            </a:r>
+          </a:p>
+          <a:p>
+            <a:pPr algn="l"/>
+            <a:r>
+              <a:rPr lang="en-GB" sz="1800" b="0" i="0" u="none" strike="noStrike" baseline="0" dirty="0">
+                <a:latin typeface="CMR12"/>
+              </a:rPr>
+              <a:t>These account for 46% of subscriptions</a:t>
             </a:r>
           </a:p>
         </p:txBody>
@@ -11072,7 +12284,7 @@
               <a:rPr lang="en-GB" sz="1800" b="0" i="0" u="none" strike="noStrike" baseline="0" dirty="0">
                 <a:latin typeface="CMR12"/>
               </a:rPr>
-              <a:t>consumers underestimated how much they were spending by 2.5 times</a:t>
+              <a:t>consumers underestimated how much they were spending</a:t>
             </a:r>
             <a:endParaRPr lang="en-US" dirty="0"/>
           </a:p>
@@ -11540,200 +12752,187 @@
           <a:chExt cx="0" cy="0"/>
         </a:xfrm>
       </p:grpSpPr>
-      <p:pic>
-        <p:nvPicPr>
-          <p:cNvPr id="13" name="Picture 12">
-            <a:extLst>
-              <a:ext uri="{FF2B5EF4-FFF2-40B4-BE49-F238E27FC236}">
-                <a16:creationId xmlns:a16="http://schemas.microsoft.com/office/drawing/2014/main" id="{F3D7FA70-B345-A77C-DD38-363B24C60A8B}"/>
-              </a:ext>
-            </a:extLst>
-          </p:cNvPr>
-          <p:cNvPicPr>
-            <a:picLocks noChangeAspect="1"/>
-          </p:cNvPicPr>
-          <p:nvPr/>
-        </p:nvPicPr>
-        <p:blipFill>
-          <a:blip r:embed="rId2"/>
-          <a:stretch>
-            <a:fillRect/>
-          </a:stretch>
-        </p:blipFill>
+      <p:sp>
+        <p:nvSpPr>
+          <p:cNvPr id="2" name="Title 1">
+            <a:extLst>
+              <a:ext uri="{FF2B5EF4-FFF2-40B4-BE49-F238E27FC236}">
+                <a16:creationId xmlns:a16="http://schemas.microsoft.com/office/drawing/2014/main" id="{D53393CE-9363-72CB-FD40-73A65C0DCC57}"/>
+              </a:ext>
+            </a:extLst>
+          </p:cNvPr>
+          <p:cNvSpPr>
+            <a:spLocks noGrp="1"/>
+          </p:cNvSpPr>
+          <p:nvPr>
+            <p:ph type="title"/>
+          </p:nvPr>
+        </p:nvSpPr>
+        <p:spPr/>
+        <p:txBody>
+          <a:bodyPr/>
+          <a:lstStyle/>
+          <a:p>
+            <a:r>
+              <a:rPr lang="en-US" sz="4500" dirty="0"/>
+              <a:t>Technologies </a:t>
+            </a:r>
+            <a:br>
+              <a:rPr lang="en-US" sz="4500" dirty="0"/>
+            </a:br>
+            <a:endParaRPr lang="en-US" sz="4500" dirty="0"/>
+          </a:p>
+        </p:txBody>
+      </p:sp>
+      <p:sp>
+        <p:nvSpPr>
+          <p:cNvPr id="12" name="Footer Placeholder 11">
+            <a:extLst>
+              <a:ext uri="{FF2B5EF4-FFF2-40B4-BE49-F238E27FC236}">
+                <a16:creationId xmlns:a16="http://schemas.microsoft.com/office/drawing/2014/main" id="{0D74F0DD-9277-50B0-68E1-220BA8344883}"/>
+              </a:ext>
+            </a:extLst>
+          </p:cNvPr>
+          <p:cNvSpPr>
+            <a:spLocks noGrp="1"/>
+          </p:cNvSpPr>
+          <p:nvPr>
+            <p:ph type="ftr" sz="quarter" idx="11"/>
+          </p:nvPr>
+        </p:nvSpPr>
+        <p:spPr/>
+        <p:txBody>
+          <a:bodyPr/>
+          <a:lstStyle/>
+          <a:p>
+            <a:r>
+              <a:rPr lang="en-US" dirty="0"/>
+              <a:t>Subscription Tracker</a:t>
+            </a:r>
+          </a:p>
+        </p:txBody>
+      </p:sp>
+      <p:sp>
+        <p:nvSpPr>
+          <p:cNvPr id="3" name="Text Placeholder 2">
+            <a:extLst>
+              <a:ext uri="{FF2B5EF4-FFF2-40B4-BE49-F238E27FC236}">
+                <a16:creationId xmlns:a16="http://schemas.microsoft.com/office/drawing/2014/main" id="{FACB5A03-99D2-C953-F227-3E1620258992}"/>
+              </a:ext>
+            </a:extLst>
+          </p:cNvPr>
+          <p:cNvSpPr>
+            <a:spLocks noGrp="1"/>
+          </p:cNvSpPr>
+          <p:nvPr>
+            <p:ph type="body" sz="quarter" idx="13"/>
+          </p:nvPr>
+        </p:nvSpPr>
         <p:spPr>
           <a:xfrm>
-            <a:off x="0" y="0"/>
-            <a:ext cx="12260062" cy="6858000"/>
+            <a:off x="6245352" y="1252727"/>
+            <a:ext cx="4828032" cy="4473369"/>
           </a:xfrm>
-          <a:prstGeom prst="rect">
-            <a:avLst/>
-          </a:prstGeom>
         </p:spPr>
-      </p:pic>
-      <p:sp>
-        <p:nvSpPr>
-          <p:cNvPr id="3" name="Slide Number Placeholder 2">
-            <a:extLst>
-              <a:ext uri="{FF2B5EF4-FFF2-40B4-BE49-F238E27FC236}">
-                <a16:creationId xmlns:a16="http://schemas.microsoft.com/office/drawing/2014/main" id="{7E1421DD-2C70-F012-4953-63102B8C7FAD}"/>
-              </a:ext>
-            </a:extLst>
-          </p:cNvPr>
-          <p:cNvSpPr>
-            <a:spLocks noGrp="1"/>
-          </p:cNvSpPr>
-          <p:nvPr>
-            <p:ph type="sldNum" sz="quarter" idx="12"/>
-          </p:nvPr>
-        </p:nvSpPr>
-        <p:spPr/>
         <p:txBody>
           <a:bodyPr/>
           <a:lstStyle/>
           <a:p>
+            <a:pPr marL="342900" indent="-342900">
+              <a:buFont typeface="Arial" panose="020B0604020202020204" pitchFamily="34" charset="0"/>
+              <a:buChar char="•"/>
+            </a:pPr>
+            <a:r>
+              <a:rPr lang="en-US" sz="2800" dirty="0"/>
+              <a:t>JavaScript, HTML, CSS</a:t>
+            </a:r>
+          </a:p>
+          <a:p>
+            <a:pPr marL="342900" indent="-342900">
+              <a:buFont typeface="Arial" panose="020B0604020202020204" pitchFamily="34" charset="0"/>
+              <a:buChar char="•"/>
+            </a:pPr>
+            <a:r>
+              <a:rPr lang="en-US" sz="2800" dirty="0"/>
+              <a:t>Express JS</a:t>
+            </a:r>
+          </a:p>
+          <a:p>
+            <a:pPr marL="342900" indent="-342900">
+              <a:buFont typeface="Arial" panose="020B0604020202020204" pitchFamily="34" charset="0"/>
+              <a:buChar char="•"/>
+            </a:pPr>
+            <a:r>
+              <a:rPr lang="en-US" sz="2800" dirty="0"/>
+              <a:t>Node.JS</a:t>
+            </a:r>
+          </a:p>
+          <a:p>
+            <a:pPr marL="342900" indent="-342900">
+              <a:buFont typeface="Arial" panose="020B0604020202020204" pitchFamily="34" charset="0"/>
+              <a:buChar char="•"/>
+            </a:pPr>
+            <a:r>
+              <a:rPr lang="en-US" sz="2800" dirty="0"/>
+              <a:t>PostgreSQL</a:t>
+            </a:r>
+          </a:p>
+          <a:p>
+            <a:pPr marL="342900" indent="-342900">
+              <a:buFont typeface="Arial" panose="020B0604020202020204" pitchFamily="34" charset="0"/>
+              <a:buChar char="•"/>
+            </a:pPr>
+            <a:r>
+              <a:rPr lang="en-US" sz="2800" dirty="0"/>
+              <a:t>Docker</a:t>
+            </a:r>
+          </a:p>
+          <a:p>
+            <a:pPr marL="342900" indent="-342900">
+              <a:buFont typeface="Arial" panose="020B0604020202020204" pitchFamily="34" charset="0"/>
+              <a:buChar char="•"/>
+            </a:pPr>
+            <a:r>
+              <a:rPr lang="en-US" sz="2800" dirty="0"/>
+              <a:t>Python</a:t>
+            </a:r>
+          </a:p>
+        </p:txBody>
+      </p:sp>
+      <p:sp>
+        <p:nvSpPr>
+          <p:cNvPr id="13" name="Slide Number Placeholder 12">
+            <a:extLst>
+              <a:ext uri="{FF2B5EF4-FFF2-40B4-BE49-F238E27FC236}">
+                <a16:creationId xmlns:a16="http://schemas.microsoft.com/office/drawing/2014/main" id="{CB0BAE21-4E4A-BE6E-EE84-D535446B94CD}"/>
+              </a:ext>
+            </a:extLst>
+          </p:cNvPr>
+          <p:cNvSpPr>
+            <a:spLocks noGrp="1"/>
+          </p:cNvSpPr>
+          <p:nvPr>
+            <p:ph type="sldNum" sz="quarter" idx="12"/>
+          </p:nvPr>
+        </p:nvSpPr>
+        <p:spPr/>
+        <p:txBody>
+          <a:bodyPr/>
+          <a:lstStyle/>
+          <a:p>
             <a:fld id="{5BFCF61C-3B18-4C03-8326-CC3B32D710C9}" type="slidenum">
-              <a:rPr lang="en-US" noProof="0" smtClean="0"/>
+              <a:rPr lang="en-US" smtClean="0"/>
               <a:pPr/>
               <a:t>4</a:t>
             </a:fld>
-            <a:endParaRPr lang="en-US" noProof="0"/>
-          </a:p>
-        </p:txBody>
-      </p:sp>
-      <p:sp>
-        <p:nvSpPr>
-          <p:cNvPr id="5" name="Text Placeholder 4">
-            <a:extLst>
-              <a:ext uri="{FF2B5EF4-FFF2-40B4-BE49-F238E27FC236}">
-                <a16:creationId xmlns:a16="http://schemas.microsoft.com/office/drawing/2014/main" id="{710337BA-3772-9BD8-D731-896C6E6FDDB4}"/>
-              </a:ext>
-            </a:extLst>
-          </p:cNvPr>
-          <p:cNvSpPr>
-            <a:spLocks noGrp="1"/>
-          </p:cNvSpPr>
-          <p:nvPr>
-            <p:ph type="body" sz="quarter" idx="13"/>
-          </p:nvPr>
-        </p:nvSpPr>
-        <p:spPr/>
-        <p:txBody>
-          <a:bodyPr/>
-          <a:lstStyle/>
-          <a:p>
-            <a:endParaRPr lang="en-IE"/>
-          </a:p>
-        </p:txBody>
-      </p:sp>
-      <p:sp>
-        <p:nvSpPr>
-          <p:cNvPr id="6" name="Text Placeholder 5">
-            <a:extLst>
-              <a:ext uri="{FF2B5EF4-FFF2-40B4-BE49-F238E27FC236}">
-                <a16:creationId xmlns:a16="http://schemas.microsoft.com/office/drawing/2014/main" id="{E4255E08-DC5B-5FD7-28CF-69BF23028F1F}"/>
-              </a:ext>
-            </a:extLst>
-          </p:cNvPr>
-          <p:cNvSpPr>
-            <a:spLocks noGrp="1"/>
-          </p:cNvSpPr>
-          <p:nvPr>
-            <p:ph type="body" sz="quarter" idx="14"/>
-          </p:nvPr>
-        </p:nvSpPr>
-        <p:spPr/>
-        <p:txBody>
-          <a:bodyPr/>
-          <a:lstStyle/>
-          <a:p>
-            <a:endParaRPr lang="en-IE"/>
-          </a:p>
-        </p:txBody>
-      </p:sp>
-      <p:sp>
-        <p:nvSpPr>
-          <p:cNvPr id="7" name="Text Placeholder 6">
-            <a:extLst>
-              <a:ext uri="{FF2B5EF4-FFF2-40B4-BE49-F238E27FC236}">
-                <a16:creationId xmlns:a16="http://schemas.microsoft.com/office/drawing/2014/main" id="{C8CD18EF-1C72-929D-FB70-A0863FFF6DB2}"/>
-              </a:ext>
-            </a:extLst>
-          </p:cNvPr>
-          <p:cNvSpPr>
-            <a:spLocks noGrp="1"/>
-          </p:cNvSpPr>
-          <p:nvPr>
-            <p:ph type="body" sz="quarter" idx="15"/>
-          </p:nvPr>
-        </p:nvSpPr>
-        <p:spPr/>
-        <p:txBody>
-          <a:bodyPr/>
-          <a:lstStyle/>
-          <a:p>
-            <a:endParaRPr lang="en-IE"/>
-          </a:p>
-        </p:txBody>
-      </p:sp>
-      <p:sp>
-        <p:nvSpPr>
-          <p:cNvPr id="8" name="Text Placeholder 7">
-            <a:extLst>
-              <a:ext uri="{FF2B5EF4-FFF2-40B4-BE49-F238E27FC236}">
-                <a16:creationId xmlns:a16="http://schemas.microsoft.com/office/drawing/2014/main" id="{0CD66804-DA2C-47A8-AB95-398DEEB06B8F}"/>
-              </a:ext>
-            </a:extLst>
-          </p:cNvPr>
-          <p:cNvSpPr>
-            <a:spLocks noGrp="1"/>
-          </p:cNvSpPr>
-          <p:nvPr>
-            <p:ph type="body" sz="quarter" idx="16"/>
-          </p:nvPr>
-        </p:nvSpPr>
-        <p:spPr/>
-        <p:txBody>
-          <a:bodyPr/>
-          <a:lstStyle/>
-          <a:p>
-            <a:endParaRPr lang="en-IE"/>
-          </a:p>
-        </p:txBody>
-      </p:sp>
-      <p:pic>
-        <p:nvPicPr>
-          <p:cNvPr id="11" name="Picture 10">
-            <a:extLst>
-              <a:ext uri="{FF2B5EF4-FFF2-40B4-BE49-F238E27FC236}">
-                <a16:creationId xmlns:a16="http://schemas.microsoft.com/office/drawing/2014/main" id="{786443E4-566A-F5BD-FB46-424AC34F36CE}"/>
-              </a:ext>
-            </a:extLst>
-          </p:cNvPr>
-          <p:cNvPicPr>
-            <a:picLocks noChangeAspect="1"/>
-          </p:cNvPicPr>
-          <p:nvPr/>
-        </p:nvPicPr>
-        <p:blipFill>
-          <a:blip r:embed="rId3"/>
-          <a:stretch>
-            <a:fillRect/>
-          </a:stretch>
-        </p:blipFill>
-        <p:spPr>
-          <a:xfrm>
-            <a:off x="1118616" y="0"/>
-            <a:ext cx="10241006" cy="6877812"/>
-          </a:xfrm>
-          <a:prstGeom prst="rect">
-            <a:avLst/>
-          </a:prstGeom>
-        </p:spPr>
-      </p:pic>
+            <a:endParaRPr lang="en-US"/>
+          </a:p>
+        </p:txBody>
+      </p:sp>
     </p:spTree>
     <p:extLst>
       <p:ext uri="{BB962C8B-B14F-4D97-AF65-F5344CB8AC3E}">
-        <p14:creationId xmlns:p14="http://schemas.microsoft.com/office/powerpoint/2010/main" val="2739756647"/>
+        <p14:creationId xmlns:p14="http://schemas.microsoft.com/office/powerpoint/2010/main" val="4122396240"/>
       </p:ext>
     </p:extLst>
   </p:cSld>
@@ -11765,7 +12964,7 @@
           <p:cNvPr id="2" name="Title 1">
             <a:extLst>
               <a:ext uri="{FF2B5EF4-FFF2-40B4-BE49-F238E27FC236}">
-                <a16:creationId xmlns:a16="http://schemas.microsoft.com/office/drawing/2014/main" id="{D53393CE-9363-72CB-FD40-73A65C0DCC57}"/>
+                <a16:creationId xmlns:a16="http://schemas.microsoft.com/office/drawing/2014/main" id="{A98BDE3D-CB39-03D2-545F-5283024761BD}"/>
               </a:ext>
             </a:extLst>
           </p:cNvPr>
@@ -11782,13 +12981,9 @@
           <a:lstStyle/>
           <a:p>
             <a:r>
-              <a:rPr lang="en-US" sz="4500" dirty="0"/>
-              <a:t>Technologies </a:t>
-            </a:r>
-            <a:br>
-              <a:rPr lang="en-US" sz="4500" dirty="0"/>
-            </a:br>
-            <a:endParaRPr lang="en-US" sz="4500" dirty="0"/>
+              <a:rPr lang="en-US" dirty="0"/>
+              <a:t>System Architecture</a:t>
+            </a:r>
           </a:p>
         </p:txBody>
       </p:sp>
@@ -11797,7 +12992,7 @@
           <p:cNvPr id="12" name="Footer Placeholder 11">
             <a:extLst>
               <a:ext uri="{FF2B5EF4-FFF2-40B4-BE49-F238E27FC236}">
-                <a16:creationId xmlns:a16="http://schemas.microsoft.com/office/drawing/2014/main" id="{0D74F0DD-9277-50B0-68E1-220BA8344883}"/>
+                <a16:creationId xmlns:a16="http://schemas.microsoft.com/office/drawing/2014/main" id="{119D6C7A-A7F7-E063-9A09-611D1FB1DBE6}"/>
               </a:ext>
             </a:extLst>
           </p:cNvPr>
@@ -11817,13 +13012,6 @@
               <a:rPr lang="en-US" dirty="0"/>
               <a:t>Subscription Tracker</a:t>
             </a:r>
-            <a:br>
-              <a:rPr lang="en-US" dirty="0"/>
-            </a:br>
-            <a:r>
-              <a:rPr lang="en-US" dirty="0"/>
-              <a:t>Interim</a:t>
-            </a:r>
           </a:p>
         </p:txBody>
       </p:sp>
@@ -11832,7 +13020,7 @@
           <p:cNvPr id="3" name="Text Placeholder 2">
             <a:extLst>
               <a:ext uri="{FF2B5EF4-FFF2-40B4-BE49-F238E27FC236}">
-                <a16:creationId xmlns:a16="http://schemas.microsoft.com/office/drawing/2014/main" id="{FACB5A03-99D2-C953-F227-3E1620258992}"/>
+                <a16:creationId xmlns:a16="http://schemas.microsoft.com/office/drawing/2014/main" id="{F02F894F-23A1-85D4-2713-57D743F8086A}"/>
               </a:ext>
             </a:extLst>
           </p:cNvPr>
@@ -11843,63 +13031,116 @@
             <p:ph type="body" sz="quarter" idx="13"/>
           </p:nvPr>
         </p:nvSpPr>
-        <p:spPr>
-          <a:xfrm>
-            <a:off x="6245352" y="1252727"/>
-            <a:ext cx="4828032" cy="4473369"/>
-          </a:xfrm>
-        </p:spPr>
+        <p:spPr/>
         <p:txBody>
           <a:bodyPr/>
           <a:lstStyle/>
           <a:p>
-            <a:pPr marL="342900" indent="-342900">
-              <a:buFont typeface="Arial" panose="020B0604020202020204" pitchFamily="34" charset="0"/>
-              <a:buChar char="•"/>
-            </a:pPr>
-            <a:r>
-              <a:rPr lang="en-US" sz="2800" dirty="0"/>
-              <a:t>JavaScript, HTML, CSS</a:t>
-            </a:r>
-          </a:p>
-          <a:p>
-            <a:pPr marL="342900" indent="-342900">
-              <a:buFont typeface="Arial" panose="020B0604020202020204" pitchFamily="34" charset="0"/>
-              <a:buChar char="•"/>
-            </a:pPr>
-            <a:r>
-              <a:rPr lang="en-US" sz="2800" dirty="0"/>
-              <a:t>Express JS</a:t>
-            </a:r>
-          </a:p>
-          <a:p>
-            <a:pPr marL="342900" indent="-342900">
-              <a:buFont typeface="Arial" panose="020B0604020202020204" pitchFamily="34" charset="0"/>
-              <a:buChar char="•"/>
-            </a:pPr>
-            <a:r>
-              <a:rPr lang="en-US" sz="2800" dirty="0"/>
-              <a:t>Node.JS</a:t>
-            </a:r>
-          </a:p>
-          <a:p>
-            <a:pPr marL="342900" indent="-342900">
-              <a:buFont typeface="Arial" panose="020B0604020202020204" pitchFamily="34" charset="0"/>
-              <a:buChar char="•"/>
-            </a:pPr>
-            <a:r>
-              <a:rPr lang="en-US" sz="2800" dirty="0"/>
-              <a:t>PostgreSQL</a:t>
-            </a:r>
-          </a:p>
-          <a:p>
-            <a:pPr marL="342900" indent="-342900">
-              <a:buFont typeface="Arial" panose="020B0604020202020204" pitchFamily="34" charset="0"/>
-              <a:buChar char="•"/>
-            </a:pPr>
-            <a:r>
-              <a:rPr lang="en-US" sz="2800" dirty="0"/>
-              <a:t>Docker</a:t>
+            <a:r>
+              <a:rPr lang="en-US" dirty="0"/>
+              <a:t>Architecture</a:t>
+            </a:r>
+          </a:p>
+        </p:txBody>
+      </p:sp>
+      <p:sp>
+        <p:nvSpPr>
+          <p:cNvPr id="4" name="Text Placeholder 3">
+            <a:extLst>
+              <a:ext uri="{FF2B5EF4-FFF2-40B4-BE49-F238E27FC236}">
+                <a16:creationId xmlns:a16="http://schemas.microsoft.com/office/drawing/2014/main" id="{C0EF4D35-9BD6-00FC-A23D-DCE50F2F200E}"/>
+              </a:ext>
+            </a:extLst>
+          </p:cNvPr>
+          <p:cNvSpPr>
+            <a:spLocks noGrp="1"/>
+          </p:cNvSpPr>
+          <p:nvPr>
+            <p:ph type="body" sz="quarter" idx="14"/>
+          </p:nvPr>
+        </p:nvSpPr>
+        <p:spPr/>
+        <p:txBody>
+          <a:bodyPr/>
+          <a:lstStyle/>
+          <a:p>
+            <a:r>
+              <a:rPr lang="en-US" dirty="0"/>
+              <a:t>Database</a:t>
+            </a:r>
+          </a:p>
+        </p:txBody>
+      </p:sp>
+      <p:sp>
+        <p:nvSpPr>
+          <p:cNvPr id="5" name="Text Placeholder 4">
+            <a:extLst>
+              <a:ext uri="{FF2B5EF4-FFF2-40B4-BE49-F238E27FC236}">
+                <a16:creationId xmlns:a16="http://schemas.microsoft.com/office/drawing/2014/main" id="{51683C73-2637-AC0E-5A6B-47B6C6CB9E2A}"/>
+              </a:ext>
+            </a:extLst>
+          </p:cNvPr>
+          <p:cNvSpPr>
+            <a:spLocks noGrp="1"/>
+          </p:cNvSpPr>
+          <p:nvPr>
+            <p:ph type="body" sz="quarter" idx="15"/>
+          </p:nvPr>
+        </p:nvSpPr>
+        <p:spPr/>
+        <p:txBody>
+          <a:bodyPr/>
+          <a:lstStyle/>
+          <a:p>
+            <a:r>
+              <a:rPr lang="en-US" dirty="0"/>
+              <a:t>The application uses the Model View Controller architecture</a:t>
+            </a:r>
+          </a:p>
+          <a:p>
+            <a:r>
+              <a:rPr lang="en-US" dirty="0"/>
+              <a:t>Split into client, server and database</a:t>
+            </a:r>
+          </a:p>
+          <a:p>
+            <a:r>
+              <a:rPr lang="en-US" dirty="0"/>
+              <a:t>Python is used for recommendations</a:t>
+            </a:r>
+          </a:p>
+        </p:txBody>
+      </p:sp>
+      <p:sp>
+        <p:nvSpPr>
+          <p:cNvPr id="6" name="Text Placeholder 5">
+            <a:extLst>
+              <a:ext uri="{FF2B5EF4-FFF2-40B4-BE49-F238E27FC236}">
+                <a16:creationId xmlns:a16="http://schemas.microsoft.com/office/drawing/2014/main" id="{846865D3-E9E5-FDDD-B091-FE6F9039C6EA}"/>
+              </a:ext>
+            </a:extLst>
+          </p:cNvPr>
+          <p:cNvSpPr>
+            <a:spLocks noGrp="1"/>
+          </p:cNvSpPr>
+          <p:nvPr>
+            <p:ph type="body" sz="quarter" idx="16"/>
+          </p:nvPr>
+        </p:nvSpPr>
+        <p:spPr/>
+        <p:txBody>
+          <a:bodyPr/>
+          <a:lstStyle/>
+          <a:p>
+            <a:r>
+              <a:rPr lang="en-US" dirty="0"/>
+              <a:t>PostgreSQL database</a:t>
+            </a:r>
+          </a:p>
+          <a:p>
+            <a:r>
+              <a:rPr lang="en-US" dirty="0"/>
+              <a:t>Running on docker containers</a:t>
             </a:r>
           </a:p>
         </p:txBody>
@@ -11909,7 +13150,7 @@
           <p:cNvPr id="13" name="Slide Number Placeholder 12">
             <a:extLst>
               <a:ext uri="{FF2B5EF4-FFF2-40B4-BE49-F238E27FC236}">
-                <a16:creationId xmlns:a16="http://schemas.microsoft.com/office/drawing/2014/main" id="{CB0BAE21-4E4A-BE6E-EE84-D535446B94CD}"/>
+                <a16:creationId xmlns:a16="http://schemas.microsoft.com/office/drawing/2014/main" id="{941D71DF-7225-6C66-9D2B-FAACEFF20849}"/>
               </a:ext>
             </a:extLst>
           </p:cNvPr>
@@ -11937,7 +13178,7 @@
     </p:spTree>
     <p:extLst>
       <p:ext uri="{BB962C8B-B14F-4D97-AF65-F5344CB8AC3E}">
-        <p14:creationId xmlns:p14="http://schemas.microsoft.com/office/powerpoint/2010/main" val="4122396240"/>
+        <p14:creationId xmlns:p14="http://schemas.microsoft.com/office/powerpoint/2010/main" val="3979194062"/>
       </p:ext>
     </p:extLst>
   </p:cSld>
@@ -11969,7 +13210,7 @@
           <p:cNvPr id="2" name="Title 1">
             <a:extLst>
               <a:ext uri="{FF2B5EF4-FFF2-40B4-BE49-F238E27FC236}">
-                <a16:creationId xmlns:a16="http://schemas.microsoft.com/office/drawing/2014/main" id="{A98BDE3D-CB39-03D2-545F-5283024761BD}"/>
+                <a16:creationId xmlns:a16="http://schemas.microsoft.com/office/drawing/2014/main" id="{DB262C4D-3F97-1652-3A4A-C989986D9B65}"/>
               </a:ext>
             </a:extLst>
           </p:cNvPr>
@@ -11980,14 +13221,19 @@
             <p:ph type="title"/>
           </p:nvPr>
         </p:nvSpPr>
-        <p:spPr/>
+        <p:spPr>
+          <a:xfrm>
+            <a:off x="223628" y="1443421"/>
+            <a:ext cx="4846320" cy="1682749"/>
+          </a:xfrm>
+        </p:spPr>
         <p:txBody>
           <a:bodyPr/>
           <a:lstStyle/>
           <a:p>
             <a:r>
               <a:rPr lang="en-US" dirty="0"/>
-              <a:t>System Architecture</a:t>
+              <a:t>Research </a:t>
             </a:r>
           </a:p>
         </p:txBody>
@@ -11997,7 +13243,7 @@
           <p:cNvPr id="12" name="Footer Placeholder 11">
             <a:extLst>
               <a:ext uri="{FF2B5EF4-FFF2-40B4-BE49-F238E27FC236}">
-                <a16:creationId xmlns:a16="http://schemas.microsoft.com/office/drawing/2014/main" id="{119D6C7A-A7F7-E063-9A09-611D1FB1DBE6}"/>
+                <a16:creationId xmlns:a16="http://schemas.microsoft.com/office/drawing/2014/main" id="{BEC1259C-0A50-37A0-081E-E36D391D7A08}"/>
               </a:ext>
             </a:extLst>
           </p:cNvPr>
@@ -12017,13 +13263,6 @@
               <a:rPr lang="en-US" dirty="0"/>
               <a:t>Subscription Tracker</a:t>
             </a:r>
-            <a:br>
-              <a:rPr lang="en-US" dirty="0"/>
-            </a:br>
-            <a:r>
-              <a:rPr lang="en-US" dirty="0"/>
-              <a:t>Interim</a:t>
-            </a:r>
           </a:p>
         </p:txBody>
       </p:sp>
@@ -12032,7 +13271,7 @@
           <p:cNvPr id="3" name="Text Placeholder 2">
             <a:extLst>
               <a:ext uri="{FF2B5EF4-FFF2-40B4-BE49-F238E27FC236}">
-                <a16:creationId xmlns:a16="http://schemas.microsoft.com/office/drawing/2014/main" id="{F02F894F-23A1-85D4-2713-57D743F8086A}"/>
+                <a16:creationId xmlns:a16="http://schemas.microsoft.com/office/drawing/2014/main" id="{B9136911-B582-CB5C-914D-58A0AE6AB75A}"/>
               </a:ext>
             </a:extLst>
           </p:cNvPr>
@@ -12043,76 +13282,96 @@
             <p:ph type="body" sz="quarter" idx="13"/>
           </p:nvPr>
         </p:nvSpPr>
-        <p:spPr/>
+        <p:spPr>
+          <a:xfrm>
+            <a:off x="6245352" y="484074"/>
+            <a:ext cx="4828032" cy="490538"/>
+          </a:xfrm>
+        </p:spPr>
         <p:txBody>
           <a:bodyPr/>
           <a:lstStyle/>
           <a:p>
             <a:r>
               <a:rPr lang="en-US" dirty="0"/>
-              <a:t>Architecture</a:t>
-            </a:r>
-          </a:p>
-        </p:txBody>
-      </p:sp>
-      <p:sp>
-        <p:nvSpPr>
-          <p:cNvPr id="4" name="Text Placeholder 3">
-            <a:extLst>
-              <a:ext uri="{FF2B5EF4-FFF2-40B4-BE49-F238E27FC236}">
-                <a16:creationId xmlns:a16="http://schemas.microsoft.com/office/drawing/2014/main" id="{C0EF4D35-9BD6-00FC-A23D-DCE50F2F200E}"/>
-              </a:ext>
-            </a:extLst>
-          </p:cNvPr>
-          <p:cNvSpPr>
-            <a:spLocks noGrp="1"/>
-          </p:cNvSpPr>
-          <p:nvPr>
-            <p:ph type="body" sz="quarter" idx="14"/>
-          </p:nvPr>
-        </p:nvSpPr>
-        <p:spPr/>
+              <a:t>Current Applications</a:t>
+            </a:r>
+          </a:p>
+        </p:txBody>
+      </p:sp>
+      <p:sp>
+        <p:nvSpPr>
+          <p:cNvPr id="5" name="Text Placeholder 4">
+            <a:extLst>
+              <a:ext uri="{FF2B5EF4-FFF2-40B4-BE49-F238E27FC236}">
+                <a16:creationId xmlns:a16="http://schemas.microsoft.com/office/drawing/2014/main" id="{E194D589-C330-607E-B446-0DA52AACC4E4}"/>
+              </a:ext>
+            </a:extLst>
+          </p:cNvPr>
+          <p:cNvSpPr>
+            <a:spLocks noGrp="1"/>
+          </p:cNvSpPr>
+          <p:nvPr>
+            <p:ph type="body" sz="quarter" idx="15"/>
+          </p:nvPr>
+        </p:nvSpPr>
+        <p:spPr>
+          <a:xfrm>
+            <a:off x="5971032" y="938670"/>
+            <a:ext cx="4754880" cy="1682750"/>
+          </a:xfrm>
+        </p:spPr>
         <p:txBody>
           <a:bodyPr/>
           <a:lstStyle/>
           <a:p>
             <a:r>
               <a:rPr lang="en-US" dirty="0"/>
-              <a:t>Database</a:t>
-            </a:r>
-          </a:p>
-        </p:txBody>
-      </p:sp>
-      <p:sp>
-        <p:nvSpPr>
-          <p:cNvPr id="5" name="Text Placeholder 4">
-            <a:extLst>
-              <a:ext uri="{FF2B5EF4-FFF2-40B4-BE49-F238E27FC236}">
-                <a16:creationId xmlns:a16="http://schemas.microsoft.com/office/drawing/2014/main" id="{51683C73-2637-AC0E-5A6B-47B6C6CB9E2A}"/>
-              </a:ext>
-            </a:extLst>
-          </p:cNvPr>
-          <p:cNvSpPr>
-            <a:spLocks noGrp="1"/>
-          </p:cNvSpPr>
-          <p:nvPr>
-            <p:ph type="body" sz="quarter" idx="15"/>
-          </p:nvPr>
-        </p:nvSpPr>
-        <p:spPr/>
+              <a:t>Some popular applications are Rocket Money, Trim and </a:t>
+            </a:r>
+            <a:r>
+              <a:rPr lang="en-US" dirty="0" err="1"/>
+              <a:t>TrackMySubs</a:t>
+            </a:r>
+            <a:endParaRPr lang="en-US" dirty="0"/>
+          </a:p>
+          <a:p>
+            <a:r>
+              <a:rPr lang="en-US" dirty="0"/>
+              <a:t>Each has a different way of functioning</a:t>
+            </a:r>
+          </a:p>
+        </p:txBody>
+      </p:sp>
+      <p:sp>
+        <p:nvSpPr>
+          <p:cNvPr id="4" name="Text Placeholder 3">
+            <a:extLst>
+              <a:ext uri="{FF2B5EF4-FFF2-40B4-BE49-F238E27FC236}">
+                <a16:creationId xmlns:a16="http://schemas.microsoft.com/office/drawing/2014/main" id="{5AB49C3E-AD51-081C-CB26-BA65EB17C0A7}"/>
+              </a:ext>
+            </a:extLst>
+          </p:cNvPr>
+          <p:cNvSpPr>
+            <a:spLocks noGrp="1"/>
+          </p:cNvSpPr>
+          <p:nvPr>
+            <p:ph type="body" sz="quarter" idx="14"/>
+          </p:nvPr>
+        </p:nvSpPr>
+        <p:spPr>
+          <a:xfrm>
+            <a:off x="6245352" y="2297951"/>
+            <a:ext cx="4828032" cy="490538"/>
+          </a:xfrm>
+        </p:spPr>
         <p:txBody>
           <a:bodyPr/>
           <a:lstStyle/>
           <a:p>
             <a:r>
               <a:rPr lang="en-US" dirty="0"/>
-              <a:t>The application uses the Model View Controller architecture</a:t>
-            </a:r>
-          </a:p>
-          <a:p>
-            <a:r>
-              <a:rPr lang="en-US" dirty="0"/>
-              <a:t>Split into client, server and database</a:t>
+              <a:t>Common Features</a:t>
             </a:r>
           </a:p>
         </p:txBody>
@@ -12122,7 +13381,7 @@
           <p:cNvPr id="6" name="Text Placeholder 5">
             <a:extLst>
               <a:ext uri="{FF2B5EF4-FFF2-40B4-BE49-F238E27FC236}">
-                <a16:creationId xmlns:a16="http://schemas.microsoft.com/office/drawing/2014/main" id="{846865D3-E9E5-FDDD-B091-FE6F9039C6EA}"/>
+                <a16:creationId xmlns:a16="http://schemas.microsoft.com/office/drawing/2014/main" id="{7F8B4CE7-99C9-BD2D-17D0-2B34D13B367F}"/>
               </a:ext>
             </a:extLst>
           </p:cNvPr>
@@ -12133,20 +13392,58 @@
             <p:ph type="body" sz="quarter" idx="16"/>
           </p:nvPr>
         </p:nvSpPr>
-        <p:spPr/>
+        <p:spPr>
+          <a:xfrm>
+            <a:off x="5971032" y="2667972"/>
+            <a:ext cx="4754880" cy="1682750"/>
+          </a:xfrm>
+        </p:spPr>
         <p:txBody>
           <a:bodyPr/>
           <a:lstStyle/>
           <a:p>
-            <a:r>
-              <a:rPr lang="en-US" dirty="0"/>
-              <a:t>PostgreSQL database</a:t>
-            </a:r>
-          </a:p>
-          <a:p>
-            <a:r>
-              <a:rPr lang="en-US" dirty="0"/>
-              <a:t>Running on docker containers</a:t>
+            <a:pPr algn="l"/>
+            <a:r>
+              <a:rPr lang="en-IE" sz="1800" b="0" i="0" u="none" strike="noStrike" baseline="0" dirty="0">
+                <a:latin typeface="CMR12"/>
+              </a:rPr>
+              <a:t>Current subscriptions / bills page</a:t>
+            </a:r>
+          </a:p>
+          <a:p>
+            <a:pPr algn="l"/>
+            <a:r>
+              <a:rPr lang="en-IE" sz="1800" b="0" i="0" u="none" strike="noStrike" baseline="0" dirty="0">
+                <a:latin typeface="CMR12"/>
+              </a:rPr>
+              <a:t>Monthly spending</a:t>
+            </a:r>
+          </a:p>
+          <a:p>
+            <a:pPr algn="l"/>
+            <a:r>
+              <a:rPr lang="en-IE" sz="1800" b="0" i="0" u="none" strike="noStrike" baseline="0" dirty="0">
+                <a:latin typeface="CMR12"/>
+              </a:rPr>
+              <a:t>Calendar of upcoming payments</a:t>
+            </a:r>
+          </a:p>
+          <a:p>
+            <a:pPr algn="l"/>
+            <a:r>
+              <a:rPr lang="en-GB" sz="1800" b="0" i="0" u="none" strike="noStrike" baseline="0" dirty="0">
+                <a:latin typeface="CMR12"/>
+              </a:rPr>
+              <a:t>Alerts for next payments (email / text)</a:t>
+            </a:r>
+          </a:p>
+          <a:p>
+            <a:pPr algn="l"/>
+            <a:r>
+              <a:rPr lang="en-IE" sz="1800" b="0" i="0" u="none" strike="noStrike" baseline="0" dirty="0">
+                <a:latin typeface="CMR12"/>
+              </a:rPr>
+              <a:t>Manually added subscriptions</a:t>
             </a:r>
           </a:p>
         </p:txBody>
@@ -12156,7 +13453,7 @@
           <p:cNvPr id="13" name="Slide Number Placeholder 12">
             <a:extLst>
               <a:ext uri="{FF2B5EF4-FFF2-40B4-BE49-F238E27FC236}">
-                <a16:creationId xmlns:a16="http://schemas.microsoft.com/office/drawing/2014/main" id="{941D71DF-7225-6C66-9D2B-FAACEFF20849}"/>
+                <a16:creationId xmlns:a16="http://schemas.microsoft.com/office/drawing/2014/main" id="{208378E4-1369-B8BE-D097-D0A68C992F75}"/>
               </a:ext>
             </a:extLst>
           </p:cNvPr>
@@ -12181,10 +13478,423 @@
           </a:p>
         </p:txBody>
       </p:sp>
+      <p:sp>
+        <p:nvSpPr>
+          <p:cNvPr id="7" name="Text Placeholder 3">
+            <a:extLst>
+              <a:ext uri="{FF2B5EF4-FFF2-40B4-BE49-F238E27FC236}">
+                <a16:creationId xmlns:a16="http://schemas.microsoft.com/office/drawing/2014/main" id="{E57F0F06-7B5C-DF64-995E-E05D25CDFAB4}"/>
+              </a:ext>
+            </a:extLst>
+          </p:cNvPr>
+          <p:cNvSpPr txBox="1">
+            <a:spLocks/>
+          </p:cNvSpPr>
+          <p:nvPr/>
+        </p:nvSpPr>
+        <p:spPr>
+          <a:xfrm>
+            <a:off x="6245352" y="5034582"/>
+            <a:ext cx="4828032" cy="490538"/>
+          </a:xfrm>
+          <a:prstGeom prst="rect">
+            <a:avLst/>
+          </a:prstGeom>
+        </p:spPr>
+        <p:txBody>
+          <a:bodyPr vert="horz" lIns="91440" tIns="45720" rIns="91440" bIns="45720" rtlCol="0">
+            <a:noAutofit/>
+          </a:bodyPr>
+          <a:lstStyle>
+            <a:lvl1pPr marL="0" indent="0" algn="l" defTabSz="914400" rtl="0" eaLnBrk="1" latinLnBrk="0" hangingPunct="1">
+              <a:lnSpc>
+                <a:spcPct val="100000"/>
+              </a:lnSpc>
+              <a:spcBef>
+                <a:spcPts val="0"/>
+              </a:spcBef>
+              <a:buFont typeface="Arial" panose="020B0604020202020204" pitchFamily="34" charset="0"/>
+              <a:buNone/>
+              <a:defRPr sz="2200" b="1" kern="1200">
+                <a:solidFill>
+                  <a:schemeClr val="accent5"/>
+                </a:solidFill>
+                <a:latin typeface="+mn-lt"/>
+                <a:ea typeface="+mn-ea"/>
+                <a:cs typeface="+mn-cs"/>
+              </a:defRPr>
+            </a:lvl1pPr>
+            <a:lvl2pPr marL="685800" indent="-228600" algn="l" defTabSz="914400" rtl="0" eaLnBrk="1" latinLnBrk="0" hangingPunct="1">
+              <a:lnSpc>
+                <a:spcPct val="90000"/>
+              </a:lnSpc>
+              <a:spcBef>
+                <a:spcPts val="500"/>
+              </a:spcBef>
+              <a:buFont typeface="Arial" panose="020B0604020202020204" pitchFamily="34" charset="0"/>
+              <a:buChar char="•"/>
+              <a:defRPr sz="2400" kern="1200">
+                <a:solidFill>
+                  <a:schemeClr val="bg1"/>
+                </a:solidFill>
+                <a:latin typeface="+mn-lt"/>
+                <a:ea typeface="+mn-ea"/>
+                <a:cs typeface="+mn-cs"/>
+              </a:defRPr>
+            </a:lvl2pPr>
+            <a:lvl3pPr marL="1143000" indent="-228600" algn="l" defTabSz="914400" rtl="0" eaLnBrk="1" latinLnBrk="0" hangingPunct="1">
+              <a:lnSpc>
+                <a:spcPct val="90000"/>
+              </a:lnSpc>
+              <a:spcBef>
+                <a:spcPts val="500"/>
+              </a:spcBef>
+              <a:buFont typeface="Arial" panose="020B0604020202020204" pitchFamily="34" charset="0"/>
+              <a:buChar char="•"/>
+              <a:defRPr sz="2000" kern="1200">
+                <a:solidFill>
+                  <a:schemeClr val="bg1"/>
+                </a:solidFill>
+                <a:latin typeface="+mn-lt"/>
+                <a:ea typeface="+mn-ea"/>
+                <a:cs typeface="+mn-cs"/>
+              </a:defRPr>
+            </a:lvl3pPr>
+            <a:lvl4pPr marL="1600200" indent="-228600" algn="l" defTabSz="914400" rtl="0" eaLnBrk="1" latinLnBrk="0" hangingPunct="1">
+              <a:lnSpc>
+                <a:spcPct val="90000"/>
+              </a:lnSpc>
+              <a:spcBef>
+                <a:spcPts val="500"/>
+              </a:spcBef>
+              <a:buFont typeface="Arial" panose="020B0604020202020204" pitchFamily="34" charset="0"/>
+              <a:buChar char="•"/>
+              <a:defRPr sz="1800" kern="1200">
+                <a:solidFill>
+                  <a:schemeClr val="bg1"/>
+                </a:solidFill>
+                <a:latin typeface="+mn-lt"/>
+                <a:ea typeface="+mn-ea"/>
+                <a:cs typeface="+mn-cs"/>
+              </a:defRPr>
+            </a:lvl4pPr>
+            <a:lvl5pPr marL="2057400" indent="-228600" algn="l" defTabSz="914400" rtl="0" eaLnBrk="1" latinLnBrk="0" hangingPunct="1">
+              <a:lnSpc>
+                <a:spcPct val="90000"/>
+              </a:lnSpc>
+              <a:spcBef>
+                <a:spcPts val="500"/>
+              </a:spcBef>
+              <a:buFont typeface="Arial" panose="020B0604020202020204" pitchFamily="34" charset="0"/>
+              <a:buChar char="•"/>
+              <a:defRPr sz="1600" kern="1200">
+                <a:solidFill>
+                  <a:schemeClr val="bg1"/>
+                </a:solidFill>
+                <a:latin typeface="+mn-lt"/>
+                <a:ea typeface="+mn-ea"/>
+                <a:cs typeface="+mn-cs"/>
+              </a:defRPr>
+            </a:lvl5pPr>
+            <a:lvl6pPr marL="2514600" indent="-228600" algn="l" defTabSz="914400" rtl="0" eaLnBrk="1" latinLnBrk="0" hangingPunct="1">
+              <a:lnSpc>
+                <a:spcPct val="90000"/>
+              </a:lnSpc>
+              <a:spcBef>
+                <a:spcPts val="500"/>
+              </a:spcBef>
+              <a:buFont typeface="Arial" panose="020B0604020202020204" pitchFamily="34" charset="0"/>
+              <a:buChar char="•"/>
+              <a:defRPr sz="1800" kern="1200">
+                <a:solidFill>
+                  <a:schemeClr val="tx1"/>
+                </a:solidFill>
+                <a:latin typeface="+mn-lt"/>
+                <a:ea typeface="+mn-ea"/>
+                <a:cs typeface="+mn-cs"/>
+              </a:defRPr>
+            </a:lvl6pPr>
+            <a:lvl7pPr marL="2971800" indent="-228600" algn="l" defTabSz="914400" rtl="0" eaLnBrk="1" latinLnBrk="0" hangingPunct="1">
+              <a:lnSpc>
+                <a:spcPct val="90000"/>
+              </a:lnSpc>
+              <a:spcBef>
+                <a:spcPts val="500"/>
+              </a:spcBef>
+              <a:buFont typeface="Arial" panose="020B0604020202020204" pitchFamily="34" charset="0"/>
+              <a:buChar char="•"/>
+              <a:defRPr sz="1800" kern="1200">
+                <a:solidFill>
+                  <a:schemeClr val="tx1"/>
+                </a:solidFill>
+                <a:latin typeface="+mn-lt"/>
+                <a:ea typeface="+mn-ea"/>
+                <a:cs typeface="+mn-cs"/>
+              </a:defRPr>
+            </a:lvl7pPr>
+            <a:lvl8pPr marL="3429000" indent="-228600" algn="l" defTabSz="914400" rtl="0" eaLnBrk="1" latinLnBrk="0" hangingPunct="1">
+              <a:lnSpc>
+                <a:spcPct val="90000"/>
+              </a:lnSpc>
+              <a:spcBef>
+                <a:spcPts val="500"/>
+              </a:spcBef>
+              <a:buFont typeface="Arial" panose="020B0604020202020204" pitchFamily="34" charset="0"/>
+              <a:buChar char="•"/>
+              <a:defRPr sz="1800" kern="1200">
+                <a:solidFill>
+                  <a:schemeClr val="tx1"/>
+                </a:solidFill>
+                <a:latin typeface="+mn-lt"/>
+                <a:ea typeface="+mn-ea"/>
+                <a:cs typeface="+mn-cs"/>
+              </a:defRPr>
+            </a:lvl8pPr>
+            <a:lvl9pPr marL="3886200" indent="-228600" algn="l" defTabSz="914400" rtl="0" eaLnBrk="1" latinLnBrk="0" hangingPunct="1">
+              <a:lnSpc>
+                <a:spcPct val="90000"/>
+              </a:lnSpc>
+              <a:spcBef>
+                <a:spcPts val="500"/>
+              </a:spcBef>
+              <a:buFont typeface="Arial" panose="020B0604020202020204" pitchFamily="34" charset="0"/>
+              <a:buChar char="•"/>
+              <a:defRPr sz="1800" kern="1200">
+                <a:solidFill>
+                  <a:schemeClr val="tx1"/>
+                </a:solidFill>
+                <a:latin typeface="+mn-lt"/>
+                <a:ea typeface="+mn-ea"/>
+                <a:cs typeface="+mn-cs"/>
+              </a:defRPr>
+            </a:lvl9pPr>
+          </a:lstStyle>
+          <a:p>
+            <a:r>
+              <a:rPr lang="en-US" dirty="0"/>
+              <a:t>Additional Features</a:t>
+            </a:r>
+          </a:p>
+        </p:txBody>
+      </p:sp>
+      <p:sp>
+        <p:nvSpPr>
+          <p:cNvPr id="8" name="Text Placeholder 5">
+            <a:extLst>
+              <a:ext uri="{FF2B5EF4-FFF2-40B4-BE49-F238E27FC236}">
+                <a16:creationId xmlns:a16="http://schemas.microsoft.com/office/drawing/2014/main" id="{D9DA060B-2A69-3D59-FD21-77C7FBFA4652}"/>
+              </a:ext>
+            </a:extLst>
+          </p:cNvPr>
+          <p:cNvSpPr txBox="1">
+            <a:spLocks/>
+          </p:cNvSpPr>
+          <p:nvPr/>
+        </p:nvSpPr>
+        <p:spPr>
+          <a:xfrm>
+            <a:off x="5971032" y="5505289"/>
+            <a:ext cx="4754880" cy="1682750"/>
+          </a:xfrm>
+          <a:prstGeom prst="rect">
+            <a:avLst/>
+          </a:prstGeom>
+        </p:spPr>
+        <p:txBody>
+          <a:bodyPr vert="horz" lIns="91440" tIns="45720" rIns="91440" bIns="45720" rtlCol="0">
+            <a:noAutofit/>
+          </a:bodyPr>
+          <a:lstStyle>
+            <a:lvl1pPr marL="283464" indent="-283464" algn="l" defTabSz="914400" rtl="0" eaLnBrk="1" latinLnBrk="0" hangingPunct="1">
+              <a:lnSpc>
+                <a:spcPct val="150000"/>
+              </a:lnSpc>
+              <a:spcBef>
+                <a:spcPts val="0"/>
+              </a:spcBef>
+              <a:buFont typeface="Arial" panose="020B0604020202020204" pitchFamily="34" charset="0"/>
+              <a:buChar char="•"/>
+              <a:defRPr sz="1600" kern="1200">
+                <a:solidFill>
+                  <a:schemeClr val="accent5"/>
+                </a:solidFill>
+                <a:latin typeface="+mn-lt"/>
+                <a:ea typeface="+mn-ea"/>
+                <a:cs typeface="+mn-cs"/>
+              </a:defRPr>
+            </a:lvl1pPr>
+            <a:lvl2pPr marL="685800" indent="-283464" algn="l" defTabSz="914400" rtl="0" eaLnBrk="1" latinLnBrk="0" hangingPunct="1">
+              <a:lnSpc>
+                <a:spcPct val="150000"/>
+              </a:lnSpc>
+              <a:spcBef>
+                <a:spcPts val="0"/>
+              </a:spcBef>
+              <a:buFont typeface="Arial" panose="020B0604020202020204" pitchFamily="34" charset="0"/>
+              <a:buChar char="•"/>
+              <a:defRPr sz="1600" kern="1200">
+                <a:solidFill>
+                  <a:schemeClr val="accent5"/>
+                </a:solidFill>
+                <a:latin typeface="+mn-lt"/>
+                <a:ea typeface="+mn-ea"/>
+                <a:cs typeface="+mn-cs"/>
+              </a:defRPr>
+            </a:lvl2pPr>
+            <a:lvl3pPr marL="1143000" indent="-283464" algn="l" defTabSz="914400" rtl="0" eaLnBrk="1" latinLnBrk="0" hangingPunct="1">
+              <a:lnSpc>
+                <a:spcPct val="150000"/>
+              </a:lnSpc>
+              <a:spcBef>
+                <a:spcPts val="0"/>
+              </a:spcBef>
+              <a:buFont typeface="Arial" panose="020B0604020202020204" pitchFamily="34" charset="0"/>
+              <a:buChar char="•"/>
+              <a:defRPr sz="1600" kern="1200">
+                <a:solidFill>
+                  <a:schemeClr val="accent5"/>
+                </a:solidFill>
+                <a:latin typeface="+mn-lt"/>
+                <a:ea typeface="+mn-ea"/>
+                <a:cs typeface="+mn-cs"/>
+              </a:defRPr>
+            </a:lvl3pPr>
+            <a:lvl4pPr marL="1600200" indent="-283464" algn="l" defTabSz="914400" rtl="0" eaLnBrk="1" latinLnBrk="0" hangingPunct="1">
+              <a:lnSpc>
+                <a:spcPct val="150000"/>
+              </a:lnSpc>
+              <a:spcBef>
+                <a:spcPts val="0"/>
+              </a:spcBef>
+              <a:buFont typeface="Arial" panose="020B0604020202020204" pitchFamily="34" charset="0"/>
+              <a:buChar char="•"/>
+              <a:defRPr sz="1600" kern="1200">
+                <a:solidFill>
+                  <a:schemeClr val="accent5"/>
+                </a:solidFill>
+                <a:latin typeface="+mn-lt"/>
+                <a:ea typeface="+mn-ea"/>
+                <a:cs typeface="+mn-cs"/>
+              </a:defRPr>
+            </a:lvl4pPr>
+            <a:lvl5pPr marL="2057400" indent="-283464" algn="l" defTabSz="914400" rtl="0" eaLnBrk="1" latinLnBrk="0" hangingPunct="1">
+              <a:lnSpc>
+                <a:spcPct val="150000"/>
+              </a:lnSpc>
+              <a:spcBef>
+                <a:spcPts val="0"/>
+              </a:spcBef>
+              <a:buFont typeface="Arial" panose="020B0604020202020204" pitchFamily="34" charset="0"/>
+              <a:buChar char="•"/>
+              <a:defRPr sz="1600" kern="1200">
+                <a:solidFill>
+                  <a:schemeClr val="tx2"/>
+                </a:solidFill>
+                <a:latin typeface="+mn-lt"/>
+                <a:ea typeface="+mn-ea"/>
+                <a:cs typeface="+mn-cs"/>
+              </a:defRPr>
+            </a:lvl5pPr>
+            <a:lvl6pPr marL="2514600" indent="-228600" algn="l" defTabSz="914400" rtl="0" eaLnBrk="1" latinLnBrk="0" hangingPunct="1">
+              <a:lnSpc>
+                <a:spcPct val="90000"/>
+              </a:lnSpc>
+              <a:spcBef>
+                <a:spcPts val="500"/>
+              </a:spcBef>
+              <a:buFont typeface="Arial" panose="020B0604020202020204" pitchFamily="34" charset="0"/>
+              <a:buChar char="•"/>
+              <a:defRPr sz="1800" kern="1200">
+                <a:solidFill>
+                  <a:schemeClr val="tx1"/>
+                </a:solidFill>
+                <a:latin typeface="+mn-lt"/>
+                <a:ea typeface="+mn-ea"/>
+                <a:cs typeface="+mn-cs"/>
+              </a:defRPr>
+            </a:lvl6pPr>
+            <a:lvl7pPr marL="2971800" indent="-228600" algn="l" defTabSz="914400" rtl="0" eaLnBrk="1" latinLnBrk="0" hangingPunct="1">
+              <a:lnSpc>
+                <a:spcPct val="90000"/>
+              </a:lnSpc>
+              <a:spcBef>
+                <a:spcPts val="500"/>
+              </a:spcBef>
+              <a:buFont typeface="Arial" panose="020B0604020202020204" pitchFamily="34" charset="0"/>
+              <a:buChar char="•"/>
+              <a:defRPr sz="1800" kern="1200">
+                <a:solidFill>
+                  <a:schemeClr val="tx1"/>
+                </a:solidFill>
+                <a:latin typeface="+mn-lt"/>
+                <a:ea typeface="+mn-ea"/>
+                <a:cs typeface="+mn-cs"/>
+              </a:defRPr>
+            </a:lvl7pPr>
+            <a:lvl8pPr marL="3429000" indent="-228600" algn="l" defTabSz="914400" rtl="0" eaLnBrk="1" latinLnBrk="0" hangingPunct="1">
+              <a:lnSpc>
+                <a:spcPct val="90000"/>
+              </a:lnSpc>
+              <a:spcBef>
+                <a:spcPts val="500"/>
+              </a:spcBef>
+              <a:buFont typeface="Arial" panose="020B0604020202020204" pitchFamily="34" charset="0"/>
+              <a:buChar char="•"/>
+              <a:defRPr sz="1800" kern="1200">
+                <a:solidFill>
+                  <a:schemeClr val="tx1"/>
+                </a:solidFill>
+                <a:latin typeface="+mn-lt"/>
+                <a:ea typeface="+mn-ea"/>
+                <a:cs typeface="+mn-cs"/>
+              </a:defRPr>
+            </a:lvl8pPr>
+            <a:lvl9pPr marL="3886200" indent="-228600" algn="l" defTabSz="914400" rtl="0" eaLnBrk="1" latinLnBrk="0" hangingPunct="1">
+              <a:lnSpc>
+                <a:spcPct val="90000"/>
+              </a:lnSpc>
+              <a:spcBef>
+                <a:spcPts val="500"/>
+              </a:spcBef>
+              <a:buFont typeface="Arial" panose="020B0604020202020204" pitchFamily="34" charset="0"/>
+              <a:buChar char="•"/>
+              <a:defRPr sz="1800" kern="1200">
+                <a:solidFill>
+                  <a:schemeClr val="tx1"/>
+                </a:solidFill>
+                <a:latin typeface="+mn-lt"/>
+                <a:ea typeface="+mn-ea"/>
+                <a:cs typeface="+mn-cs"/>
+              </a:defRPr>
+            </a:lvl9pPr>
+          </a:lstStyle>
+          <a:p>
+            <a:r>
+              <a:rPr lang="en-IE" sz="1800" dirty="0">
+                <a:latin typeface="CMR12"/>
+              </a:rPr>
+              <a:t>Find recurring payments / subscriptions</a:t>
+            </a:r>
+          </a:p>
+          <a:p>
+            <a:r>
+              <a:rPr lang="en-IE" sz="1800" b="0" i="0" u="none" strike="noStrike" baseline="0" dirty="0">
+                <a:latin typeface="CMR12"/>
+              </a:rPr>
+              <a:t>Cancel subscriptions</a:t>
+            </a:r>
+          </a:p>
+          <a:p>
+            <a:endParaRPr lang="en-IE" sz="1800" dirty="0">
+              <a:latin typeface="CMR12"/>
+            </a:endParaRPr>
+          </a:p>
+        </p:txBody>
+      </p:sp>
     </p:spTree>
     <p:extLst>
       <p:ext uri="{BB962C8B-B14F-4D97-AF65-F5344CB8AC3E}">
-        <p14:creationId xmlns:p14="http://schemas.microsoft.com/office/powerpoint/2010/main" val="3979194062"/>
+        <p14:creationId xmlns:p14="http://schemas.microsoft.com/office/powerpoint/2010/main" val="2523107877"/>
       </p:ext>
     </p:extLst>
   </p:cSld>
@@ -12216,7 +13926,7 @@
           <p:cNvPr id="2" name="Title 1">
             <a:extLst>
               <a:ext uri="{FF2B5EF4-FFF2-40B4-BE49-F238E27FC236}">
-                <a16:creationId xmlns:a16="http://schemas.microsoft.com/office/drawing/2014/main" id="{DB262C4D-3F97-1652-3A4A-C989986D9B65}"/>
+                <a16:creationId xmlns:a16="http://schemas.microsoft.com/office/drawing/2014/main" id="{A98BDE3D-CB39-03D2-545F-5283024761BD}"/>
               </a:ext>
             </a:extLst>
           </p:cNvPr>
@@ -12229,8 +13939,8 @@
         </p:nvSpPr>
         <p:spPr>
           <a:xfrm>
-            <a:off x="223628" y="1443421"/>
-            <a:ext cx="4846320" cy="1682749"/>
+            <a:off x="639015" y="1139801"/>
+            <a:ext cx="10515600" cy="575321"/>
           </a:xfrm>
         </p:spPr>
         <p:txBody>
@@ -12238,9 +13948,10 @@
           <a:lstStyle/>
           <a:p>
             <a:r>
-              <a:rPr lang="en-US" dirty="0"/>
-              <a:t>Research </a:t>
-            </a:r>
+              <a:rPr lang="en-US" sz="5400" dirty="0"/>
+              <a:t>Requirements Capture</a:t>
+            </a:r>
+            <a:endParaRPr lang="en-US" dirty="0"/>
           </a:p>
         </p:txBody>
       </p:sp>
@@ -12249,7 +13960,7 @@
           <p:cNvPr id="12" name="Footer Placeholder 11">
             <a:extLst>
               <a:ext uri="{FF2B5EF4-FFF2-40B4-BE49-F238E27FC236}">
-                <a16:creationId xmlns:a16="http://schemas.microsoft.com/office/drawing/2014/main" id="{BEC1259C-0A50-37A0-081E-E36D391D7A08}"/>
+                <a16:creationId xmlns:a16="http://schemas.microsoft.com/office/drawing/2014/main" id="{119D6C7A-A7F7-E063-9A09-611D1FB1DBE6}"/>
               </a:ext>
             </a:extLst>
           </p:cNvPr>
@@ -12269,207 +13980,103 @@
               <a:rPr lang="en-US" dirty="0"/>
               <a:t>Subscription Tracker</a:t>
             </a:r>
-            <a:br>
-              <a:rPr lang="en-US" dirty="0"/>
-            </a:br>
-            <a:r>
-              <a:rPr lang="en-US" dirty="0"/>
-              <a:t>Interim</a:t>
-            </a:r>
-          </a:p>
-        </p:txBody>
-      </p:sp>
-      <p:sp>
-        <p:nvSpPr>
-          <p:cNvPr id="3" name="Text Placeholder 2">
-            <a:extLst>
-              <a:ext uri="{FF2B5EF4-FFF2-40B4-BE49-F238E27FC236}">
-                <a16:creationId xmlns:a16="http://schemas.microsoft.com/office/drawing/2014/main" id="{B9136911-B582-CB5C-914D-58A0AE6AB75A}"/>
-              </a:ext>
-            </a:extLst>
-          </p:cNvPr>
-          <p:cNvSpPr>
-            <a:spLocks noGrp="1"/>
-          </p:cNvSpPr>
-          <p:nvPr>
-            <p:ph type="body" sz="quarter" idx="13"/>
+          </a:p>
+        </p:txBody>
+      </p:sp>
+      <p:sp>
+        <p:nvSpPr>
+          <p:cNvPr id="5" name="Text Placeholder 4">
+            <a:extLst>
+              <a:ext uri="{FF2B5EF4-FFF2-40B4-BE49-F238E27FC236}">
+                <a16:creationId xmlns:a16="http://schemas.microsoft.com/office/drawing/2014/main" id="{51683C73-2637-AC0E-5A6B-47B6C6CB9E2A}"/>
+              </a:ext>
+            </a:extLst>
+          </p:cNvPr>
+          <p:cNvSpPr>
+            <a:spLocks noGrp="1"/>
+          </p:cNvSpPr>
+          <p:nvPr>
+            <p:ph type="body" sz="quarter" idx="15"/>
           </p:nvPr>
         </p:nvSpPr>
         <p:spPr>
           <a:xfrm>
-            <a:off x="6245352" y="743648"/>
-            <a:ext cx="4828032" cy="490538"/>
+            <a:off x="797925" y="2971799"/>
+            <a:ext cx="4754880" cy="2328169"/>
           </a:xfrm>
         </p:spPr>
         <p:txBody>
           <a:bodyPr/>
           <a:lstStyle/>
           <a:p>
-            <a:r>
-              <a:rPr lang="en-US" dirty="0"/>
-              <a:t>Current Technologies</a:t>
-            </a:r>
-          </a:p>
-        </p:txBody>
-      </p:sp>
-      <p:sp>
-        <p:nvSpPr>
-          <p:cNvPr id="5" name="Text Placeholder 4">
-            <a:extLst>
-              <a:ext uri="{FF2B5EF4-FFF2-40B4-BE49-F238E27FC236}">
-                <a16:creationId xmlns:a16="http://schemas.microsoft.com/office/drawing/2014/main" id="{E194D589-C330-607E-B446-0DA52AACC4E4}"/>
-              </a:ext>
-            </a:extLst>
-          </p:cNvPr>
-          <p:cNvSpPr>
-            <a:spLocks noGrp="1"/>
-          </p:cNvSpPr>
-          <p:nvPr>
-            <p:ph type="body" sz="quarter" idx="15"/>
+            <a:pPr marL="342900" indent="-342900">
+              <a:buFont typeface="Arial" panose="020B0604020202020204" pitchFamily="34" charset="0"/>
+              <a:buChar char="•"/>
+            </a:pPr>
+            <a:r>
+              <a:rPr lang="en-US" sz="1600" dirty="0"/>
+              <a:t>Include common functionality</a:t>
+            </a:r>
+          </a:p>
+          <a:p>
+            <a:pPr marL="342900" indent="-342900">
+              <a:buFont typeface="Arial" panose="020B0604020202020204" pitchFamily="34" charset="0"/>
+              <a:buChar char="•"/>
+            </a:pPr>
+            <a:r>
+              <a:rPr lang="en-US" sz="1600" dirty="0"/>
+              <a:t>Persistent data storage</a:t>
+            </a:r>
+          </a:p>
+          <a:p>
+            <a:pPr marL="342900" indent="-342900">
+              <a:buFont typeface="Arial" panose="020B0604020202020204" pitchFamily="34" charset="0"/>
+              <a:buChar char="•"/>
+            </a:pPr>
+            <a:r>
+              <a:rPr lang="en-US" sz="1600" dirty="0"/>
+              <a:t>Subscription importing</a:t>
+            </a:r>
+          </a:p>
+          <a:p>
+            <a:pPr marL="342900" indent="-342900">
+              <a:buFont typeface="Arial" panose="020B0604020202020204" pitchFamily="34" charset="0"/>
+              <a:buChar char="•"/>
+            </a:pPr>
+            <a:r>
+              <a:rPr lang="en-US" sz="1600" dirty="0"/>
+              <a:t>Data analytics</a:t>
+            </a:r>
+          </a:p>
+        </p:txBody>
+      </p:sp>
+      <p:sp>
+        <p:nvSpPr>
+          <p:cNvPr id="6" name="Text Placeholder 5">
+            <a:extLst>
+              <a:ext uri="{FF2B5EF4-FFF2-40B4-BE49-F238E27FC236}">
+                <a16:creationId xmlns:a16="http://schemas.microsoft.com/office/drawing/2014/main" id="{846865D3-E9E5-FDDD-B091-FE6F9039C6EA}"/>
+              </a:ext>
+            </a:extLst>
+          </p:cNvPr>
+          <p:cNvSpPr>
+            <a:spLocks noGrp="1"/>
+          </p:cNvSpPr>
+          <p:nvPr>
+            <p:ph type="body" sz="quarter" idx="16"/>
           </p:nvPr>
         </p:nvSpPr>
         <p:spPr>
           <a:xfrm>
-            <a:off x="5971032" y="1307338"/>
-            <a:ext cx="4754880" cy="1682750"/>
+            <a:off x="5970233" y="3156864"/>
+            <a:ext cx="4754880" cy="2143103"/>
           </a:xfrm>
         </p:spPr>
         <p:txBody>
           <a:bodyPr/>
           <a:lstStyle/>
           <a:p>
-            <a:r>
-              <a:rPr lang="en-US" dirty="0"/>
-              <a:t>Some popular applications are </a:t>
-            </a:r>
-            <a:r>
-              <a:rPr lang="en-US" dirty="0" err="1"/>
-              <a:t>TrackMySubs</a:t>
-            </a:r>
-            <a:r>
-              <a:rPr lang="en-US" dirty="0"/>
-              <a:t>, Rocket Money and Trim</a:t>
-            </a:r>
-          </a:p>
-          <a:p>
-            <a:r>
-              <a:rPr lang="en-US" dirty="0"/>
-              <a:t>Each has a different way of functioning</a:t>
-            </a:r>
-          </a:p>
-        </p:txBody>
-      </p:sp>
-      <p:sp>
-        <p:nvSpPr>
-          <p:cNvPr id="4" name="Text Placeholder 3">
-            <a:extLst>
-              <a:ext uri="{FF2B5EF4-FFF2-40B4-BE49-F238E27FC236}">
-                <a16:creationId xmlns:a16="http://schemas.microsoft.com/office/drawing/2014/main" id="{5AB49C3E-AD51-081C-CB26-BA65EB17C0A7}"/>
-              </a:ext>
-            </a:extLst>
-          </p:cNvPr>
-          <p:cNvSpPr>
-            <a:spLocks noGrp="1"/>
-          </p:cNvSpPr>
-          <p:nvPr>
-            <p:ph type="body" sz="quarter" idx="14"/>
-          </p:nvPr>
-        </p:nvSpPr>
-        <p:spPr>
-          <a:xfrm>
-            <a:off x="6245352" y="2817971"/>
-            <a:ext cx="4828032" cy="490538"/>
-          </a:xfrm>
-        </p:spPr>
-        <p:txBody>
-          <a:bodyPr/>
-          <a:lstStyle/>
-          <a:p>
-            <a:r>
-              <a:rPr lang="en-US" dirty="0"/>
-              <a:t>Common Features</a:t>
-            </a:r>
-          </a:p>
-        </p:txBody>
-      </p:sp>
-      <p:sp>
-        <p:nvSpPr>
-          <p:cNvPr id="6" name="Text Placeholder 5">
-            <a:extLst>
-              <a:ext uri="{FF2B5EF4-FFF2-40B4-BE49-F238E27FC236}">
-                <a16:creationId xmlns:a16="http://schemas.microsoft.com/office/drawing/2014/main" id="{7F8B4CE7-99C9-BD2D-17D0-2B34D13B367F}"/>
-              </a:ext>
-            </a:extLst>
-          </p:cNvPr>
-          <p:cNvSpPr>
-            <a:spLocks noGrp="1"/>
-          </p:cNvSpPr>
-          <p:nvPr>
-            <p:ph type="body" sz="quarter" idx="16"/>
-          </p:nvPr>
-        </p:nvSpPr>
-        <p:spPr>
-          <a:xfrm>
-            <a:off x="5971032" y="3308509"/>
-            <a:ext cx="4754880" cy="1682750"/>
-          </a:xfrm>
-        </p:spPr>
-        <p:txBody>
-          <a:bodyPr/>
-          <a:lstStyle/>
-          <a:p>
-            <a:pPr algn="l"/>
-            <a:r>
-              <a:rPr lang="en-IE" sz="1800" b="0" i="0" u="none" strike="noStrike" baseline="0" dirty="0">
-                <a:latin typeface="CMR12"/>
-              </a:rPr>
-              <a:t>Current subscriptions / bills page</a:t>
-            </a:r>
-          </a:p>
-          <a:p>
-            <a:pPr algn="l"/>
-            <a:r>
-              <a:rPr lang="en-IE" sz="1800" b="0" i="0" u="none" strike="noStrike" baseline="0" dirty="0">
-                <a:latin typeface="CMR12"/>
-              </a:rPr>
-              <a:t>Monthly spending / budgeting page</a:t>
-            </a:r>
-          </a:p>
-          <a:p>
-            <a:pPr algn="l"/>
-            <a:r>
-              <a:rPr lang="en-IE" sz="1800" b="0" i="0" u="none" strike="noStrike" baseline="0" dirty="0">
-                <a:latin typeface="CMR12"/>
-              </a:rPr>
-              <a:t>Calendar of upcoming payments</a:t>
-            </a:r>
-          </a:p>
-          <a:p>
-            <a:pPr algn="l"/>
-            <a:r>
-              <a:rPr lang="en-IE" sz="1800" b="0" i="0" u="none" strike="noStrike" baseline="0" dirty="0">
-                <a:latin typeface="CMR12"/>
-              </a:rPr>
-              <a:t>Cancel subscriptions</a:t>
-            </a:r>
-          </a:p>
-          <a:p>
-            <a:pPr algn="l"/>
-            <a:r>
-              <a:rPr lang="en-GB" sz="1800" b="0" i="0" u="none" strike="noStrike" baseline="0" dirty="0">
-                <a:latin typeface="CMR12"/>
-              </a:rPr>
-              <a:t>Alerts for next payments (email / text)</a:t>
-            </a:r>
-          </a:p>
-          <a:p>
-            <a:pPr algn="l"/>
-            <a:r>
-              <a:rPr lang="en-IE" sz="1800" b="0" i="0" u="none" strike="noStrike" baseline="0" dirty="0">
-                <a:latin typeface="CMR12"/>
-              </a:rPr>
-              <a:t>Manually added subscriptions</a:t>
-            </a:r>
+            <a:endParaRPr lang="en-US" dirty="0"/>
           </a:p>
         </p:txBody>
       </p:sp>
@@ -12478,7 +14085,7 @@
           <p:cNvPr id="13" name="Slide Number Placeholder 12">
             <a:extLst>
               <a:ext uri="{FF2B5EF4-FFF2-40B4-BE49-F238E27FC236}">
-                <a16:creationId xmlns:a16="http://schemas.microsoft.com/office/drawing/2014/main" id="{208378E4-1369-B8BE-D097-D0A68C992F75}"/>
+                <a16:creationId xmlns:a16="http://schemas.microsoft.com/office/drawing/2014/main" id="{941D71DF-7225-6C66-9D2B-FAACEFF20849}"/>
               </a:ext>
             </a:extLst>
           </p:cNvPr>
@@ -12503,10 +14110,40 @@
           </a:p>
         </p:txBody>
       </p:sp>
+      <p:pic>
+        <p:nvPicPr>
+          <p:cNvPr id="16" name="Picture 15">
+            <a:extLst>
+              <a:ext uri="{FF2B5EF4-FFF2-40B4-BE49-F238E27FC236}">
+                <a16:creationId xmlns:a16="http://schemas.microsoft.com/office/drawing/2014/main" id="{EAE379AF-CB5B-DB66-E761-706048E23404}"/>
+              </a:ext>
+            </a:extLst>
+          </p:cNvPr>
+          <p:cNvPicPr>
+            <a:picLocks noChangeAspect="1"/>
+          </p:cNvPicPr>
+          <p:nvPr/>
+        </p:nvPicPr>
+        <p:blipFill>
+          <a:blip r:embed="rId2"/>
+          <a:stretch>
+            <a:fillRect/>
+          </a:stretch>
+        </p:blipFill>
+        <p:spPr>
+          <a:xfrm>
+            <a:off x="4181383" y="2081815"/>
+            <a:ext cx="8010617" cy="4068180"/>
+          </a:xfrm>
+          <a:prstGeom prst="rect">
+            <a:avLst/>
+          </a:prstGeom>
+        </p:spPr>
+      </p:pic>
     </p:spTree>
     <p:extLst>
       <p:ext uri="{BB962C8B-B14F-4D97-AF65-F5344CB8AC3E}">
-        <p14:creationId xmlns:p14="http://schemas.microsoft.com/office/powerpoint/2010/main" val="2523107877"/>
+        <p14:creationId xmlns:p14="http://schemas.microsoft.com/office/powerpoint/2010/main" val="3111280116"/>
       </p:ext>
     </p:extLst>
   </p:cSld>
@@ -12533,20 +14170,50 @@
           <a:chExt cx="0" cy="0"/>
         </a:xfrm>
       </p:grpSpPr>
-      <p:sp>
-        <p:nvSpPr>
-          <p:cNvPr id="2" name="Title 1">
-            <a:extLst>
-              <a:ext uri="{FF2B5EF4-FFF2-40B4-BE49-F238E27FC236}">
-                <a16:creationId xmlns:a16="http://schemas.microsoft.com/office/drawing/2014/main" id="{D53393CE-9363-72CB-FD40-73A65C0DCC57}"/>
-              </a:ext>
-            </a:extLst>
-          </p:cNvPr>
-          <p:cNvSpPr>
-            <a:spLocks noGrp="1"/>
-          </p:cNvSpPr>
-          <p:nvPr>
-            <p:ph type="title"/>
+      <p:pic>
+        <p:nvPicPr>
+          <p:cNvPr id="13" name="Picture 12">
+            <a:extLst>
+              <a:ext uri="{FF2B5EF4-FFF2-40B4-BE49-F238E27FC236}">
+                <a16:creationId xmlns:a16="http://schemas.microsoft.com/office/drawing/2014/main" id="{F3D7FA70-B345-A77C-DD38-363B24C60A8B}"/>
+              </a:ext>
+            </a:extLst>
+          </p:cNvPr>
+          <p:cNvPicPr>
+            <a:picLocks noChangeAspect="1"/>
+          </p:cNvPicPr>
+          <p:nvPr/>
+        </p:nvPicPr>
+        <p:blipFill>
+          <a:blip r:embed="rId2"/>
+          <a:stretch>
+            <a:fillRect/>
+          </a:stretch>
+        </p:blipFill>
+        <p:spPr>
+          <a:xfrm>
+            <a:off x="0" y="0"/>
+            <a:ext cx="12260062" cy="6858000"/>
+          </a:xfrm>
+          <a:prstGeom prst="rect">
+            <a:avLst/>
+          </a:prstGeom>
+        </p:spPr>
+      </p:pic>
+      <p:sp>
+        <p:nvSpPr>
+          <p:cNvPr id="3" name="Slide Number Placeholder 2">
+            <a:extLst>
+              <a:ext uri="{FF2B5EF4-FFF2-40B4-BE49-F238E27FC236}">
+                <a16:creationId xmlns:a16="http://schemas.microsoft.com/office/drawing/2014/main" id="{7E1421DD-2C70-F012-4953-63102B8C7FAD}"/>
+              </a:ext>
+            </a:extLst>
+          </p:cNvPr>
+          <p:cNvSpPr>
+            <a:spLocks noGrp="1"/>
+          </p:cNvSpPr>
+          <p:nvPr>
+            <p:ph type="sldNum" sz="quarter" idx="12"/>
           </p:nvPr>
         </p:nvSpPr>
         <p:spPr/>
@@ -12554,163 +14221,149 @@
           <a:bodyPr/>
           <a:lstStyle/>
           <a:p>
-            <a:r>
-              <a:rPr lang="en-US" sz="4500" dirty="0"/>
-              <a:t>Requirements Capture </a:t>
-            </a:r>
-            <a:br>
-              <a:rPr lang="en-US" sz="4500" dirty="0"/>
-            </a:br>
-            <a:endParaRPr lang="en-US" sz="4500" dirty="0"/>
-          </a:p>
-        </p:txBody>
-      </p:sp>
-      <p:sp>
-        <p:nvSpPr>
-          <p:cNvPr id="12" name="Footer Placeholder 11">
-            <a:extLst>
-              <a:ext uri="{FF2B5EF4-FFF2-40B4-BE49-F238E27FC236}">
-                <a16:creationId xmlns:a16="http://schemas.microsoft.com/office/drawing/2014/main" id="{0D74F0DD-9277-50B0-68E1-220BA8344883}"/>
-              </a:ext>
-            </a:extLst>
-          </p:cNvPr>
-          <p:cNvSpPr>
-            <a:spLocks noGrp="1"/>
-          </p:cNvSpPr>
-          <p:nvPr>
-            <p:ph type="ftr" sz="quarter" idx="11"/>
-          </p:nvPr>
-        </p:nvSpPr>
-        <p:spPr/>
-        <p:txBody>
-          <a:bodyPr/>
-          <a:lstStyle/>
-          <a:p>
-            <a:r>
-              <a:rPr lang="en-US" dirty="0"/>
-              <a:t>Subscription Tracker</a:t>
-            </a:r>
-            <a:br>
-              <a:rPr lang="en-US" dirty="0"/>
-            </a:br>
-            <a:r>
-              <a:rPr lang="en-US" dirty="0"/>
-              <a:t>Interim</a:t>
-            </a:r>
-          </a:p>
-        </p:txBody>
-      </p:sp>
-      <p:sp>
-        <p:nvSpPr>
-          <p:cNvPr id="3" name="Text Placeholder 2">
-            <a:extLst>
-              <a:ext uri="{FF2B5EF4-FFF2-40B4-BE49-F238E27FC236}">
-                <a16:creationId xmlns:a16="http://schemas.microsoft.com/office/drawing/2014/main" id="{FACB5A03-99D2-C953-F227-3E1620258992}"/>
-              </a:ext>
-            </a:extLst>
-          </p:cNvPr>
-          <p:cNvSpPr>
-            <a:spLocks noGrp="1"/>
-          </p:cNvSpPr>
-          <p:nvPr>
-            <p:ph type="body" sz="quarter" idx="13"/>
-          </p:nvPr>
-        </p:nvSpPr>
-        <p:spPr>
-          <a:xfrm>
-            <a:off x="5992427" y="1252727"/>
-            <a:ext cx="5803333" cy="4473369"/>
-          </a:xfrm>
-        </p:spPr>
-        <p:txBody>
-          <a:bodyPr/>
-          <a:lstStyle/>
-          <a:p>
-            <a:pPr marL="342900" indent="-342900">
-              <a:buFont typeface="Arial" panose="020B0604020202020204" pitchFamily="34" charset="0"/>
-              <a:buChar char="•"/>
-            </a:pPr>
-            <a:r>
-              <a:rPr lang="en-US" sz="2800" dirty="0"/>
-              <a:t>Include common functionality</a:t>
-            </a:r>
-          </a:p>
-          <a:p>
-            <a:pPr marL="342900" indent="-342900">
-              <a:buFont typeface="Arial" panose="020B0604020202020204" pitchFamily="34" charset="0"/>
-              <a:buChar char="•"/>
-            </a:pPr>
-            <a:r>
-              <a:rPr lang="en-US" sz="2800" dirty="0"/>
-              <a:t>Persistent data storage</a:t>
-            </a:r>
-          </a:p>
-          <a:p>
-            <a:pPr marL="342900" indent="-342900">
-              <a:buFont typeface="Arial" panose="020B0604020202020204" pitchFamily="34" charset="0"/>
-              <a:buChar char="•"/>
-            </a:pPr>
-            <a:r>
-              <a:rPr lang="en-US" sz="2800" dirty="0"/>
-              <a:t>Complete site</a:t>
-            </a:r>
-          </a:p>
-          <a:p>
-            <a:pPr marL="342900" indent="-342900">
-              <a:buFont typeface="Arial" panose="020B0604020202020204" pitchFamily="34" charset="0"/>
-              <a:buChar char="•"/>
-            </a:pPr>
-            <a:r>
-              <a:rPr lang="en-US" sz="2800" dirty="0"/>
-              <a:t>Subscription importing</a:t>
-            </a:r>
-          </a:p>
-          <a:p>
-            <a:pPr marL="342900" indent="-342900">
-              <a:buFont typeface="Arial" panose="020B0604020202020204" pitchFamily="34" charset="0"/>
-              <a:buChar char="•"/>
-            </a:pPr>
-            <a:r>
-              <a:rPr lang="en-US" sz="2800" dirty="0"/>
-              <a:t>Data analytics</a:t>
-            </a:r>
-          </a:p>
-        </p:txBody>
-      </p:sp>
-      <p:sp>
-        <p:nvSpPr>
-          <p:cNvPr id="13" name="Slide Number Placeholder 12">
-            <a:extLst>
-              <a:ext uri="{FF2B5EF4-FFF2-40B4-BE49-F238E27FC236}">
-                <a16:creationId xmlns:a16="http://schemas.microsoft.com/office/drawing/2014/main" id="{CB0BAE21-4E4A-BE6E-EE84-D535446B94CD}"/>
-              </a:ext>
-            </a:extLst>
-          </p:cNvPr>
-          <p:cNvSpPr>
-            <a:spLocks noGrp="1"/>
-          </p:cNvSpPr>
-          <p:nvPr>
-            <p:ph type="sldNum" sz="quarter" idx="12"/>
-          </p:nvPr>
-        </p:nvSpPr>
-        <p:spPr/>
-        <p:txBody>
-          <a:bodyPr/>
-          <a:lstStyle/>
-          <a:p>
             <a:fld id="{5BFCF61C-3B18-4C03-8326-CC3B32D710C9}" type="slidenum">
-              <a:rPr lang="en-US" smtClean="0"/>
+              <a:rPr lang="en-US" noProof="0" smtClean="0"/>
               <a:pPr/>
               <a:t>8</a:t>
             </a:fld>
-            <a:endParaRPr lang="en-US"/>
-          </a:p>
-        </p:txBody>
-      </p:sp>
+            <a:endParaRPr lang="en-US" noProof="0"/>
+          </a:p>
+        </p:txBody>
+      </p:sp>
+      <p:sp>
+        <p:nvSpPr>
+          <p:cNvPr id="5" name="Text Placeholder 4">
+            <a:extLst>
+              <a:ext uri="{FF2B5EF4-FFF2-40B4-BE49-F238E27FC236}">
+                <a16:creationId xmlns:a16="http://schemas.microsoft.com/office/drawing/2014/main" id="{710337BA-3772-9BD8-D731-896C6E6FDDB4}"/>
+              </a:ext>
+            </a:extLst>
+          </p:cNvPr>
+          <p:cNvSpPr>
+            <a:spLocks noGrp="1"/>
+          </p:cNvSpPr>
+          <p:nvPr>
+            <p:ph type="body" sz="quarter" idx="13"/>
+          </p:nvPr>
+        </p:nvSpPr>
+        <p:spPr/>
+        <p:txBody>
+          <a:bodyPr/>
+          <a:lstStyle/>
+          <a:p>
+            <a:endParaRPr lang="en-IE"/>
+          </a:p>
+        </p:txBody>
+      </p:sp>
+      <p:sp>
+        <p:nvSpPr>
+          <p:cNvPr id="6" name="Text Placeholder 5">
+            <a:extLst>
+              <a:ext uri="{FF2B5EF4-FFF2-40B4-BE49-F238E27FC236}">
+                <a16:creationId xmlns:a16="http://schemas.microsoft.com/office/drawing/2014/main" id="{E4255E08-DC5B-5FD7-28CF-69BF23028F1F}"/>
+              </a:ext>
+            </a:extLst>
+          </p:cNvPr>
+          <p:cNvSpPr>
+            <a:spLocks noGrp="1"/>
+          </p:cNvSpPr>
+          <p:nvPr>
+            <p:ph type="body" sz="quarter" idx="14"/>
+          </p:nvPr>
+        </p:nvSpPr>
+        <p:spPr/>
+        <p:txBody>
+          <a:bodyPr/>
+          <a:lstStyle/>
+          <a:p>
+            <a:endParaRPr lang="en-IE"/>
+          </a:p>
+        </p:txBody>
+      </p:sp>
+      <p:sp>
+        <p:nvSpPr>
+          <p:cNvPr id="7" name="Text Placeholder 6">
+            <a:extLst>
+              <a:ext uri="{FF2B5EF4-FFF2-40B4-BE49-F238E27FC236}">
+                <a16:creationId xmlns:a16="http://schemas.microsoft.com/office/drawing/2014/main" id="{C8CD18EF-1C72-929D-FB70-A0863FFF6DB2}"/>
+              </a:ext>
+            </a:extLst>
+          </p:cNvPr>
+          <p:cNvSpPr>
+            <a:spLocks noGrp="1"/>
+          </p:cNvSpPr>
+          <p:nvPr>
+            <p:ph type="body" sz="quarter" idx="15"/>
+          </p:nvPr>
+        </p:nvSpPr>
+        <p:spPr/>
+        <p:txBody>
+          <a:bodyPr/>
+          <a:lstStyle/>
+          <a:p>
+            <a:endParaRPr lang="en-IE"/>
+          </a:p>
+        </p:txBody>
+      </p:sp>
+      <p:sp>
+        <p:nvSpPr>
+          <p:cNvPr id="8" name="Text Placeholder 7">
+            <a:extLst>
+              <a:ext uri="{FF2B5EF4-FFF2-40B4-BE49-F238E27FC236}">
+                <a16:creationId xmlns:a16="http://schemas.microsoft.com/office/drawing/2014/main" id="{0CD66804-DA2C-47A8-AB95-398DEEB06B8F}"/>
+              </a:ext>
+            </a:extLst>
+          </p:cNvPr>
+          <p:cNvSpPr>
+            <a:spLocks noGrp="1"/>
+          </p:cNvSpPr>
+          <p:nvPr>
+            <p:ph type="body" sz="quarter" idx="16"/>
+          </p:nvPr>
+        </p:nvSpPr>
+        <p:spPr/>
+        <p:txBody>
+          <a:bodyPr/>
+          <a:lstStyle/>
+          <a:p>
+            <a:endParaRPr lang="en-IE"/>
+          </a:p>
+        </p:txBody>
+      </p:sp>
+      <p:pic>
+        <p:nvPicPr>
+          <p:cNvPr id="4" name="Picture 3">
+            <a:extLst>
+              <a:ext uri="{FF2B5EF4-FFF2-40B4-BE49-F238E27FC236}">
+                <a16:creationId xmlns:a16="http://schemas.microsoft.com/office/drawing/2014/main" id="{961FDAE4-DF8D-423B-DBCA-6E1E8786D80F}"/>
+              </a:ext>
+            </a:extLst>
+          </p:cNvPr>
+          <p:cNvPicPr>
+            <a:picLocks noChangeAspect="1"/>
+          </p:cNvPicPr>
+          <p:nvPr/>
+        </p:nvPicPr>
+        <p:blipFill>
+          <a:blip r:embed="rId3"/>
+          <a:stretch>
+            <a:fillRect/>
+          </a:stretch>
+        </p:blipFill>
+        <p:spPr>
+          <a:xfrm>
+            <a:off x="133166" y="-1"/>
+            <a:ext cx="11966288" cy="6873765"/>
+          </a:xfrm>
+          <a:prstGeom prst="rect">
+            <a:avLst/>
+          </a:prstGeom>
+        </p:spPr>
+      </p:pic>
     </p:spTree>
     <p:extLst>
       <p:ext uri="{BB962C8B-B14F-4D97-AF65-F5344CB8AC3E}">
-        <p14:creationId xmlns:p14="http://schemas.microsoft.com/office/powerpoint/2010/main" val="2474967479"/>
+        <p14:creationId xmlns:p14="http://schemas.microsoft.com/office/powerpoint/2010/main" val="2739756647"/>
       </p:ext>
     </p:extLst>
   </p:cSld>
@@ -12799,35 +14452,28 @@
               <a:rPr lang="en-US" dirty="0"/>
               <a:t>Subscription Tracker</a:t>
             </a:r>
-            <a:br>
-              <a:rPr lang="en-US" dirty="0"/>
-            </a:br>
-            <a:r>
-              <a:rPr lang="en-US" dirty="0"/>
-              <a:t>Interim</a:t>
-            </a:r>
-          </a:p>
-        </p:txBody>
-      </p:sp>
-      <p:sp>
-        <p:nvSpPr>
-          <p:cNvPr id="3" name="Text Placeholder 2">
-            <a:extLst>
-              <a:ext uri="{FF2B5EF4-FFF2-40B4-BE49-F238E27FC236}">
-                <a16:creationId xmlns:a16="http://schemas.microsoft.com/office/drawing/2014/main" id="{B9136911-B582-CB5C-914D-58A0AE6AB75A}"/>
-              </a:ext>
-            </a:extLst>
-          </p:cNvPr>
-          <p:cNvSpPr>
-            <a:spLocks noGrp="1"/>
-          </p:cNvSpPr>
-          <p:nvPr>
-            <p:ph type="body" sz="quarter" idx="13"/>
+          </a:p>
+        </p:txBody>
+      </p:sp>
+      <p:sp>
+        <p:nvSpPr>
+          <p:cNvPr id="4" name="Text Placeholder 3">
+            <a:extLst>
+              <a:ext uri="{FF2B5EF4-FFF2-40B4-BE49-F238E27FC236}">
+                <a16:creationId xmlns:a16="http://schemas.microsoft.com/office/drawing/2014/main" id="{5AB49C3E-AD51-081C-CB26-BA65EB17C0A7}"/>
+              </a:ext>
+            </a:extLst>
+          </p:cNvPr>
+          <p:cNvSpPr>
+            <a:spLocks noGrp="1"/>
+          </p:cNvSpPr>
+          <p:nvPr>
+            <p:ph type="body" sz="quarter" idx="14"/>
           </p:nvPr>
         </p:nvSpPr>
         <p:spPr>
           <a:xfrm>
-            <a:off x="6245352" y="743648"/>
+            <a:off x="6076676" y="952882"/>
             <a:ext cx="4828032" cy="490538"/>
           </a:xfrm>
         </p:spPr>
@@ -12837,30 +14483,30 @@
           <a:p>
             <a:r>
               <a:rPr lang="en-US" dirty="0"/>
-              <a:t>Website and Database</a:t>
-            </a:r>
-          </a:p>
-        </p:txBody>
-      </p:sp>
-      <p:sp>
-        <p:nvSpPr>
-          <p:cNvPr id="5" name="Text Placeholder 4">
-            <a:extLst>
-              <a:ext uri="{FF2B5EF4-FFF2-40B4-BE49-F238E27FC236}">
-                <a16:creationId xmlns:a16="http://schemas.microsoft.com/office/drawing/2014/main" id="{E194D589-C330-607E-B446-0DA52AACC4E4}"/>
-              </a:ext>
-            </a:extLst>
-          </p:cNvPr>
-          <p:cNvSpPr>
-            <a:spLocks noGrp="1"/>
-          </p:cNvSpPr>
-          <p:nvPr>
-            <p:ph type="body" sz="quarter" idx="15"/>
+              <a:t>Finding Subscriptions</a:t>
+            </a:r>
+          </a:p>
+        </p:txBody>
+      </p:sp>
+      <p:sp>
+        <p:nvSpPr>
+          <p:cNvPr id="6" name="Text Placeholder 5">
+            <a:extLst>
+              <a:ext uri="{FF2B5EF4-FFF2-40B4-BE49-F238E27FC236}">
+                <a16:creationId xmlns:a16="http://schemas.microsoft.com/office/drawing/2014/main" id="{7F8B4CE7-99C9-BD2D-17D0-2B34D13B367F}"/>
+              </a:ext>
+            </a:extLst>
+          </p:cNvPr>
+          <p:cNvSpPr>
+            <a:spLocks noGrp="1"/>
+          </p:cNvSpPr>
+          <p:nvPr>
+            <p:ph type="body" sz="quarter" idx="16"/>
           </p:nvPr>
         </p:nvSpPr>
         <p:spPr>
           <a:xfrm>
-            <a:off x="5971032" y="1307338"/>
+            <a:off x="5802356" y="1443420"/>
             <a:ext cx="4754880" cy="1682750"/>
           </a:xfrm>
         </p:spPr>
@@ -12868,78 +14514,12 @@
           <a:bodyPr/>
           <a:lstStyle/>
           <a:p>
-            <a:r>
-              <a:rPr lang="en-US" dirty="0"/>
-              <a:t>Base complexity from website and database interactions </a:t>
-            </a:r>
-          </a:p>
-        </p:txBody>
-      </p:sp>
-      <p:sp>
-        <p:nvSpPr>
-          <p:cNvPr id="4" name="Text Placeholder 3">
-            <a:extLst>
-              <a:ext uri="{FF2B5EF4-FFF2-40B4-BE49-F238E27FC236}">
-                <a16:creationId xmlns:a16="http://schemas.microsoft.com/office/drawing/2014/main" id="{5AB49C3E-AD51-081C-CB26-BA65EB17C0A7}"/>
-              </a:ext>
-            </a:extLst>
-          </p:cNvPr>
-          <p:cNvSpPr>
-            <a:spLocks noGrp="1"/>
-          </p:cNvSpPr>
-          <p:nvPr>
-            <p:ph type="body" sz="quarter" idx="14"/>
-          </p:nvPr>
-        </p:nvSpPr>
-        <p:spPr>
-          <a:xfrm>
-            <a:off x="6245352" y="2284795"/>
-            <a:ext cx="4828032" cy="490538"/>
-          </a:xfrm>
-        </p:spPr>
-        <p:txBody>
-          <a:bodyPr/>
-          <a:lstStyle/>
-          <a:p>
-            <a:r>
-              <a:rPr lang="en-US" dirty="0"/>
-              <a:t>Finding Subscriptions</a:t>
-            </a:r>
-          </a:p>
-        </p:txBody>
-      </p:sp>
-      <p:sp>
-        <p:nvSpPr>
-          <p:cNvPr id="6" name="Text Placeholder 5">
-            <a:extLst>
-              <a:ext uri="{FF2B5EF4-FFF2-40B4-BE49-F238E27FC236}">
-                <a16:creationId xmlns:a16="http://schemas.microsoft.com/office/drawing/2014/main" id="{7F8B4CE7-99C9-BD2D-17D0-2B34D13B367F}"/>
-              </a:ext>
-            </a:extLst>
-          </p:cNvPr>
-          <p:cNvSpPr>
-            <a:spLocks noGrp="1"/>
-          </p:cNvSpPr>
-          <p:nvPr>
-            <p:ph type="body" sz="quarter" idx="16"/>
-          </p:nvPr>
-        </p:nvSpPr>
-        <p:spPr>
-          <a:xfrm>
-            <a:off x="5971032" y="2775333"/>
-            <a:ext cx="4754880" cy="1682750"/>
-          </a:xfrm>
-        </p:spPr>
-        <p:txBody>
-          <a:bodyPr/>
-          <a:lstStyle/>
-          <a:p>
             <a:pPr algn="l"/>
             <a:r>
               <a:rPr lang="en-IE" sz="1800" b="0" i="0" u="none" strike="noStrike" baseline="0" dirty="0">
                 <a:latin typeface="CMR12"/>
               </a:rPr>
-              <a:t>Using an excel exported bank statement to search for and import subscriptions</a:t>
+              <a:t>Using an excel exported bank statement to search for and add subscriptions</a:t>
             </a:r>
           </a:p>
         </p:txBody>
@@ -12990,8 +14570,8 @@
         </p:nvSpPr>
         <p:spPr>
           <a:xfrm>
-            <a:off x="6245352" y="4040697"/>
-            <a:ext cx="4828032" cy="490538"/>
+            <a:off x="6076676" y="2708784"/>
+            <a:ext cx="5212968" cy="490538"/>
           </a:xfrm>
           <a:prstGeom prst="rect">
             <a:avLst/>
@@ -13168,7 +14748,7 @@
           <a:p>
             <a:r>
               <a:rPr lang="en-US" dirty="0"/>
-              <a:t>Data Analytics</a:t>
+              <a:t>Data Analytics / Recommendations</a:t>
             </a:r>
           </a:p>
         </p:txBody>
@@ -13189,7 +14769,7 @@
         </p:nvSpPr>
         <p:spPr>
           <a:xfrm>
-            <a:off x="5971032" y="4531235"/>
+            <a:off x="5802356" y="3199322"/>
             <a:ext cx="4754880" cy="1682750"/>
           </a:xfrm>
           <a:prstGeom prst="rect">
@@ -13369,7 +14949,7 @@
               <a:rPr lang="en-IE" sz="1800" dirty="0">
                 <a:latin typeface="CMR12"/>
               </a:rPr>
-              <a:t>Data gathered will be used for recommending users other services </a:t>
+              <a:t>Data gathered will be used for recommending users other subscriptions </a:t>
             </a:r>
           </a:p>
           <a:p>
